--- a/その他/仙台進学プラザ/宮城県プレ入試/第1回理科.pptx
+++ b/その他/仙台進学プラザ/宮城県プレ入試/第1回理科.pptx
@@ -5,10 +5,10 @@
     <p:sldMasterId id="2147483682" r:id="rId1"/>
   </p:sldMasterIdLst>
   <p:notesMasterIdLst>
-    <p:notesMasterId r:id="rId13"/>
+    <p:notesMasterId r:id="rId18"/>
   </p:notesMasterIdLst>
   <p:handoutMasterIdLst>
-    <p:handoutMasterId r:id="rId14"/>
+    <p:handoutMasterId r:id="rId19"/>
   </p:handoutMasterIdLst>
   <p:sldIdLst>
     <p:sldId id="256" r:id="rId2"/>
@@ -22,6 +22,11 @@
     <p:sldId id="264" r:id="rId10"/>
     <p:sldId id="265" r:id="rId11"/>
     <p:sldId id="266" r:id="rId12"/>
+    <p:sldId id="267" r:id="rId13"/>
+    <p:sldId id="268" r:id="rId14"/>
+    <p:sldId id="269" r:id="rId15"/>
+    <p:sldId id="270" r:id="rId16"/>
+    <p:sldId id="271" r:id="rId17"/>
   </p:sldIdLst>
   <p:sldSz cx="12192000" cy="6858000"/>
   <p:notesSz cx="6858000" cy="9144000"/>
@@ -131,6 +136,854 @@
 </p:presentation>
 </file>
 
+<file path=ppt/charts/chart1.xml><?xml version="1.0" encoding="utf-8"?>
+<c:chartSpace xmlns:c="http://schemas.openxmlformats.org/drawingml/2006/chart" xmlns:a="http://schemas.openxmlformats.org/drawingml/2006/main" xmlns:r="http://schemas.openxmlformats.org/officeDocument/2006/relationships" xmlns:c16r2="http://schemas.microsoft.com/office/drawing/2015/06/chart">
+  <c:date1904 val="0"/>
+  <c:lang val="ja-JP"/>
+  <c:roundedCorners val="0"/>
+  <mc:AlternateContent xmlns:mc="http://schemas.openxmlformats.org/markup-compatibility/2006">
+    <mc:Choice xmlns:c14="http://schemas.microsoft.com/office/drawing/2007/8/2/chart" Requires="c14">
+      <c14:style val="102"/>
+    </mc:Choice>
+    <mc:Fallback>
+      <c:style val="2"/>
+    </mc:Fallback>
+  </mc:AlternateContent>
+  <c:chart>
+    <c:autoTitleDeleted val="1"/>
+    <c:plotArea>
+      <c:layout/>
+      <c:scatterChart>
+        <c:scatterStyle val="lineMarker"/>
+        <c:varyColors val="0"/>
+        <c:ser>
+          <c:idx val="0"/>
+          <c:order val="0"/>
+          <c:tx>
+            <c:strRef>
+              <c:f>Sheet1!$B$1</c:f>
+              <c:strCache>
+                <c:ptCount val="1"/>
+                <c:pt idx="0">
+                  <c:v>PS時間</c:v>
+                </c:pt>
+              </c:strCache>
+            </c:strRef>
+          </c:tx>
+          <c:spPr>
+            <a:ln w="19050" cap="rnd">
+              <a:noFill/>
+              <a:round/>
+            </a:ln>
+            <a:effectLst/>
+          </c:spPr>
+          <c:marker>
+            <c:symbol val="circle"/>
+            <c:size val="5"/>
+            <c:spPr>
+              <a:solidFill>
+                <a:schemeClr val="accent1"/>
+              </a:solidFill>
+              <a:ln w="9525">
+                <a:solidFill>
+                  <a:schemeClr val="accent1"/>
+                </a:solidFill>
+              </a:ln>
+              <a:effectLst/>
+            </c:spPr>
+          </c:marker>
+          <c:xVal>
+            <c:numRef>
+              <c:f>Sheet1!$A$2:$A$4</c:f>
+              <c:numCache>
+                <c:formatCode>General</c:formatCode>
+                <c:ptCount val="3"/>
+                <c:pt idx="0">
+                  <c:v>38</c:v>
+                </c:pt>
+                <c:pt idx="1">
+                  <c:v>30</c:v>
+                </c:pt>
+                <c:pt idx="2">
+                  <c:v>54</c:v>
+                </c:pt>
+              </c:numCache>
+            </c:numRef>
+          </c:xVal>
+          <c:yVal>
+            <c:numRef>
+              <c:f>Sheet1!$B$2:$B$4</c:f>
+              <c:numCache>
+                <c:formatCode>General</c:formatCode>
+                <c:ptCount val="3"/>
+                <c:pt idx="0">
+                  <c:v>18</c:v>
+                </c:pt>
+                <c:pt idx="1">
+                  <c:v>12</c:v>
+                </c:pt>
+                <c:pt idx="2">
+                  <c:v>30</c:v>
+                </c:pt>
+              </c:numCache>
+            </c:numRef>
+          </c:yVal>
+          <c:smooth val="0"/>
+          <c:extLst>
+            <c:ext xmlns:c16="http://schemas.microsoft.com/office/drawing/2014/chart" uri="{C3380CC4-5D6E-409C-BE32-E72D297353CC}">
+              <c16:uniqueId val="{00000000-D62C-4791-BCEC-1B7165186D52}"/>
+            </c:ext>
+          </c:extLst>
+        </c:ser>
+        <c:dLbls>
+          <c:showLegendKey val="0"/>
+          <c:showVal val="0"/>
+          <c:showCatName val="0"/>
+          <c:showSerName val="0"/>
+          <c:showPercent val="0"/>
+          <c:showBubbleSize val="0"/>
+        </c:dLbls>
+        <c:axId val="1218830896"/>
+        <c:axId val="1218818896"/>
+      </c:scatterChart>
+      <c:valAx>
+        <c:axId val="1218830896"/>
+        <c:scaling>
+          <c:orientation val="minMax"/>
+        </c:scaling>
+        <c:delete val="0"/>
+        <c:axPos val="b"/>
+        <c:majorGridlines>
+          <c:spPr>
+            <a:ln w="9525" cap="flat" cmpd="sng" algn="ctr">
+              <a:solidFill>
+                <a:schemeClr val="tx1">
+                  <a:lumMod val="15000"/>
+                  <a:lumOff val="85000"/>
+                </a:schemeClr>
+              </a:solidFill>
+              <a:round/>
+            </a:ln>
+            <a:effectLst/>
+          </c:spPr>
+        </c:majorGridlines>
+        <c:minorGridlines>
+          <c:spPr>
+            <a:ln w="9525" cap="flat" cmpd="sng" algn="ctr">
+              <a:solidFill>
+                <a:schemeClr val="tx1">
+                  <a:lumMod val="5000"/>
+                  <a:lumOff val="95000"/>
+                </a:schemeClr>
+              </a:solidFill>
+              <a:round/>
+            </a:ln>
+            <a:effectLst/>
+          </c:spPr>
+        </c:minorGridlines>
+        <c:numFmt formatCode="General" sourceLinked="1"/>
+        <c:majorTickMark val="none"/>
+        <c:minorTickMark val="none"/>
+        <c:tickLblPos val="nextTo"/>
+        <c:spPr>
+          <a:noFill/>
+          <a:ln w="9525" cap="flat" cmpd="sng" algn="ctr">
+            <a:solidFill>
+              <a:schemeClr val="tx1">
+                <a:lumMod val="25000"/>
+                <a:lumOff val="75000"/>
+              </a:schemeClr>
+            </a:solidFill>
+            <a:round/>
+          </a:ln>
+          <a:effectLst/>
+        </c:spPr>
+        <c:txPr>
+          <a:bodyPr rot="-60000000" spcFirstLastPara="1" vertOverflow="ellipsis" vert="horz" wrap="square" anchor="ctr" anchorCtr="1"/>
+          <a:lstStyle/>
+          <a:p>
+            <a:pPr>
+              <a:defRPr sz="1197" b="0" i="0" u="none" strike="noStrike" kern="1200" baseline="0">
+                <a:solidFill>
+                  <a:schemeClr val="tx1">
+                    <a:lumMod val="65000"/>
+                    <a:lumOff val="35000"/>
+                  </a:schemeClr>
+                </a:solidFill>
+                <a:latin typeface="+mn-lt"/>
+                <a:ea typeface="+mn-ea"/>
+                <a:cs typeface="+mn-cs"/>
+              </a:defRPr>
+            </a:pPr>
+            <a:endParaRPr lang="en-US"/>
+          </a:p>
+        </c:txPr>
+        <c:crossAx val="1218818896"/>
+        <c:crosses val="autoZero"/>
+        <c:crossBetween val="midCat"/>
+      </c:valAx>
+      <c:valAx>
+        <c:axId val="1218818896"/>
+        <c:scaling>
+          <c:orientation val="minMax"/>
+        </c:scaling>
+        <c:delete val="0"/>
+        <c:axPos val="l"/>
+        <c:majorGridlines>
+          <c:spPr>
+            <a:ln w="9525" cap="flat" cmpd="sng" algn="ctr">
+              <a:solidFill>
+                <a:schemeClr val="tx1">
+                  <a:lumMod val="15000"/>
+                  <a:lumOff val="85000"/>
+                </a:schemeClr>
+              </a:solidFill>
+              <a:round/>
+            </a:ln>
+            <a:effectLst/>
+          </c:spPr>
+        </c:majorGridlines>
+        <c:numFmt formatCode="General" sourceLinked="1"/>
+        <c:majorTickMark val="none"/>
+        <c:minorTickMark val="none"/>
+        <c:tickLblPos val="nextTo"/>
+        <c:spPr>
+          <a:noFill/>
+          <a:ln w="9525" cap="flat" cmpd="sng" algn="ctr">
+            <a:solidFill>
+              <a:schemeClr val="tx1">
+                <a:lumMod val="25000"/>
+                <a:lumOff val="75000"/>
+              </a:schemeClr>
+            </a:solidFill>
+            <a:round/>
+          </a:ln>
+          <a:effectLst/>
+        </c:spPr>
+        <c:txPr>
+          <a:bodyPr rot="-60000000" spcFirstLastPara="1" vertOverflow="ellipsis" vert="horz" wrap="square" anchor="ctr" anchorCtr="1"/>
+          <a:lstStyle/>
+          <a:p>
+            <a:pPr>
+              <a:defRPr sz="1197" b="0" i="0" u="none" strike="noStrike" kern="1200" baseline="0">
+                <a:solidFill>
+                  <a:schemeClr val="tx1">
+                    <a:lumMod val="65000"/>
+                    <a:lumOff val="35000"/>
+                  </a:schemeClr>
+                </a:solidFill>
+                <a:latin typeface="+mn-lt"/>
+                <a:ea typeface="+mn-ea"/>
+                <a:cs typeface="+mn-cs"/>
+              </a:defRPr>
+            </a:pPr>
+            <a:endParaRPr lang="en-US"/>
+          </a:p>
+        </c:txPr>
+        <c:crossAx val="1218830896"/>
+        <c:crosses val="autoZero"/>
+        <c:crossBetween val="midCat"/>
+      </c:valAx>
+      <c:spPr>
+        <a:noFill/>
+        <a:ln>
+          <a:noFill/>
+        </a:ln>
+        <a:effectLst/>
+      </c:spPr>
+    </c:plotArea>
+    <c:plotVisOnly val="1"/>
+    <c:dispBlanksAs val="gap"/>
+    <c:extLst>
+      <c:ext xmlns:c16r3="http://schemas.microsoft.com/office/drawing/2017/03/chart" uri="{56B9EC1D-385E-4148-901F-78D8002777C0}">
+        <c16r3:dataDisplayOptions16>
+          <c16r3:dispNaAsBlank val="1"/>
+        </c16r3:dataDisplayOptions16>
+      </c:ext>
+    </c:extLst>
+    <c:showDLblsOverMax val="0"/>
+  </c:chart>
+  <c:spPr>
+    <a:noFill/>
+    <a:ln cap="sq">
+      <a:solidFill>
+        <a:schemeClr val="accent1"/>
+      </a:solidFill>
+    </a:ln>
+    <a:effectLst/>
+  </c:spPr>
+  <c:txPr>
+    <a:bodyPr/>
+    <a:lstStyle/>
+    <a:p>
+      <a:pPr>
+        <a:defRPr/>
+      </a:pPr>
+      <a:endParaRPr lang="en-US"/>
+    </a:p>
+  </c:txPr>
+  <c:externalData r:id="rId3">
+    <c:autoUpdate val="0"/>
+  </c:externalData>
+</c:chartSpace>
+</file>
+
+<file path=ppt/charts/colors1.xml><?xml version="1.0" encoding="utf-8"?>
+<cs:colorStyle xmlns:cs="http://schemas.microsoft.com/office/drawing/2012/chartStyle" xmlns:a="http://schemas.openxmlformats.org/drawingml/2006/main" meth="cycle" id="10">
+  <a:schemeClr val="accent1"/>
+  <a:schemeClr val="accent2"/>
+  <a:schemeClr val="accent3"/>
+  <a:schemeClr val="accent4"/>
+  <a:schemeClr val="accent5"/>
+  <a:schemeClr val="accent6"/>
+  <cs:variation/>
+  <cs:variation>
+    <a:lumMod val="60000"/>
+  </cs:variation>
+  <cs:variation>
+    <a:lumMod val="80000"/>
+    <a:lumOff val="20000"/>
+  </cs:variation>
+  <cs:variation>
+    <a:lumMod val="80000"/>
+  </cs:variation>
+  <cs:variation>
+    <a:lumMod val="60000"/>
+    <a:lumOff val="40000"/>
+  </cs:variation>
+  <cs:variation>
+    <a:lumMod val="50000"/>
+  </cs:variation>
+  <cs:variation>
+    <a:lumMod val="70000"/>
+    <a:lumOff val="30000"/>
+  </cs:variation>
+  <cs:variation>
+    <a:lumMod val="70000"/>
+  </cs:variation>
+  <cs:variation>
+    <a:lumMod val="50000"/>
+    <a:lumOff val="50000"/>
+  </cs:variation>
+</cs:colorStyle>
+</file>
+
+<file path=ppt/charts/style1.xml><?xml version="1.0" encoding="utf-8"?>
+<cs:chartStyle xmlns:cs="http://schemas.microsoft.com/office/drawing/2012/chartStyle" xmlns:a="http://schemas.openxmlformats.org/drawingml/2006/main" id="240">
+  <cs:axisTitle>
+    <cs:lnRef idx="0"/>
+    <cs:fillRef idx="0"/>
+    <cs:effectRef idx="0"/>
+    <cs:fontRef idx="minor">
+      <a:schemeClr val="tx1">
+        <a:lumMod val="65000"/>
+        <a:lumOff val="35000"/>
+      </a:schemeClr>
+    </cs:fontRef>
+    <cs:defRPr sz="1330" kern="1200"/>
+  </cs:axisTitle>
+  <cs:categoryAxis>
+    <cs:lnRef idx="0"/>
+    <cs:fillRef idx="0"/>
+    <cs:effectRef idx="0"/>
+    <cs:fontRef idx="minor">
+      <a:schemeClr val="tx1">
+        <a:lumMod val="65000"/>
+        <a:lumOff val="35000"/>
+      </a:schemeClr>
+    </cs:fontRef>
+    <cs:spPr>
+      <a:ln w="9525" cap="flat" cmpd="sng" algn="ctr">
+        <a:solidFill>
+          <a:schemeClr val="tx1">
+            <a:lumMod val="25000"/>
+            <a:lumOff val="75000"/>
+          </a:schemeClr>
+        </a:solidFill>
+        <a:round/>
+      </a:ln>
+    </cs:spPr>
+    <cs:defRPr sz="1197" kern="1200"/>
+  </cs:categoryAxis>
+  <cs:chartArea mods="allowNoFillOverride allowNoLineOverride">
+    <cs:lnRef idx="0"/>
+    <cs:fillRef idx="0"/>
+    <cs:effectRef idx="0"/>
+    <cs:fontRef idx="minor">
+      <a:schemeClr val="tx1"/>
+    </cs:fontRef>
+    <cs:spPr>
+      <a:solidFill>
+        <a:schemeClr val="bg1"/>
+      </a:solidFill>
+      <a:ln w="9525" cap="flat" cmpd="sng" algn="ctr">
+        <a:solidFill>
+          <a:schemeClr val="tx1">
+            <a:lumMod val="15000"/>
+            <a:lumOff val="85000"/>
+          </a:schemeClr>
+        </a:solidFill>
+        <a:round/>
+      </a:ln>
+    </cs:spPr>
+    <cs:defRPr sz="1330" kern="1200"/>
+  </cs:chartArea>
+  <cs:dataLabel>
+    <cs:lnRef idx="0"/>
+    <cs:fillRef idx="0"/>
+    <cs:effectRef idx="0"/>
+    <cs:fontRef idx="minor">
+      <a:schemeClr val="tx1">
+        <a:lumMod val="75000"/>
+        <a:lumOff val="25000"/>
+      </a:schemeClr>
+    </cs:fontRef>
+    <cs:defRPr sz="1197" kern="1200"/>
+  </cs:dataLabel>
+  <cs:dataLabelCallout>
+    <cs:lnRef idx="0"/>
+    <cs:fillRef idx="0"/>
+    <cs:effectRef idx="0"/>
+    <cs:fontRef idx="minor">
+      <a:schemeClr val="dk1">
+        <a:lumMod val="65000"/>
+        <a:lumOff val="35000"/>
+      </a:schemeClr>
+    </cs:fontRef>
+    <cs:spPr>
+      <a:solidFill>
+        <a:schemeClr val="lt1"/>
+      </a:solidFill>
+      <a:ln>
+        <a:solidFill>
+          <a:schemeClr val="dk1">
+            <a:lumMod val="25000"/>
+            <a:lumOff val="75000"/>
+          </a:schemeClr>
+        </a:solidFill>
+      </a:ln>
+    </cs:spPr>
+    <cs:defRPr sz="1197" kern="1200"/>
+    <cs:bodyPr rot="0" spcFirstLastPara="1" vertOverflow="clip" horzOverflow="clip" vert="horz" wrap="square" lIns="36576" tIns="18288" rIns="36576" bIns="18288" anchor="ctr" anchorCtr="1">
+      <a:spAutoFit/>
+    </cs:bodyPr>
+  </cs:dataLabelCallout>
+  <cs:dataPoint>
+    <cs:lnRef idx="0"/>
+    <cs:fillRef idx="1">
+      <cs:styleClr val="auto"/>
+    </cs:fillRef>
+    <cs:effectRef idx="0"/>
+    <cs:fontRef idx="minor">
+      <a:schemeClr val="tx1"/>
+    </cs:fontRef>
+  </cs:dataPoint>
+  <cs:dataPoint3D>
+    <cs:lnRef idx="0"/>
+    <cs:fillRef idx="1">
+      <cs:styleClr val="auto"/>
+    </cs:fillRef>
+    <cs:effectRef idx="0"/>
+    <cs:fontRef idx="minor">
+      <a:schemeClr val="tx1"/>
+    </cs:fontRef>
+  </cs:dataPoint3D>
+  <cs:dataPointLine>
+    <cs:lnRef idx="0">
+      <cs:styleClr val="auto"/>
+    </cs:lnRef>
+    <cs:fillRef idx="1"/>
+    <cs:effectRef idx="0"/>
+    <cs:fontRef idx="minor">
+      <a:schemeClr val="tx1"/>
+    </cs:fontRef>
+    <cs:spPr>
+      <a:ln w="19050" cap="rnd">
+        <a:solidFill>
+          <a:schemeClr val="phClr"/>
+        </a:solidFill>
+        <a:round/>
+      </a:ln>
+    </cs:spPr>
+  </cs:dataPointLine>
+  <cs:dataPointMarker>
+    <cs:lnRef idx="0">
+      <cs:styleClr val="auto"/>
+    </cs:lnRef>
+    <cs:fillRef idx="1">
+      <cs:styleClr val="auto"/>
+    </cs:fillRef>
+    <cs:effectRef idx="0"/>
+    <cs:fontRef idx="minor">
+      <a:schemeClr val="tx1"/>
+    </cs:fontRef>
+    <cs:spPr>
+      <a:ln w="9525">
+        <a:solidFill>
+          <a:schemeClr val="phClr"/>
+        </a:solidFill>
+      </a:ln>
+    </cs:spPr>
+  </cs:dataPointMarker>
+  <cs:dataPointMarkerLayout symbol="circle" size="5"/>
+  <cs:dataPointWireframe>
+    <cs:lnRef idx="0">
+      <cs:styleClr val="auto"/>
+    </cs:lnRef>
+    <cs:fillRef idx="0"/>
+    <cs:effectRef idx="0"/>
+    <cs:fontRef idx="minor">
+      <a:schemeClr val="dk1"/>
+    </cs:fontRef>
+    <cs:spPr>
+      <a:ln w="9525" cap="rnd">
+        <a:solidFill>
+          <a:schemeClr val="phClr"/>
+        </a:solidFill>
+        <a:round/>
+      </a:ln>
+    </cs:spPr>
+  </cs:dataPointWireframe>
+  <cs:dataTable>
+    <cs:lnRef idx="0"/>
+    <cs:fillRef idx="0"/>
+    <cs:effectRef idx="0"/>
+    <cs:fontRef idx="minor">
+      <a:schemeClr val="tx1">
+        <a:lumMod val="65000"/>
+        <a:lumOff val="35000"/>
+      </a:schemeClr>
+    </cs:fontRef>
+    <cs:spPr>
+      <a:noFill/>
+      <a:ln w="9525" cap="flat" cmpd="sng" algn="ctr">
+        <a:solidFill>
+          <a:schemeClr val="tx1">
+            <a:lumMod val="15000"/>
+            <a:lumOff val="85000"/>
+          </a:schemeClr>
+        </a:solidFill>
+        <a:round/>
+      </a:ln>
+    </cs:spPr>
+    <cs:defRPr sz="1197" kern="1200"/>
+  </cs:dataTable>
+  <cs:downBar>
+    <cs:lnRef idx="0"/>
+    <cs:fillRef idx="0"/>
+    <cs:effectRef idx="0"/>
+    <cs:fontRef idx="minor">
+      <a:schemeClr val="tx1"/>
+    </cs:fontRef>
+    <cs:spPr>
+      <a:solidFill>
+        <a:schemeClr val="dk1">
+          <a:lumMod val="75000"/>
+          <a:lumOff val="25000"/>
+        </a:schemeClr>
+      </a:solidFill>
+      <a:ln w="9525" cap="flat" cmpd="sng" algn="ctr">
+        <a:solidFill>
+          <a:schemeClr val="tx1">
+            <a:lumMod val="65000"/>
+            <a:lumOff val="35000"/>
+          </a:schemeClr>
+        </a:solidFill>
+        <a:round/>
+      </a:ln>
+    </cs:spPr>
+  </cs:downBar>
+  <cs:dropLine>
+    <cs:lnRef idx="0"/>
+    <cs:fillRef idx="0"/>
+    <cs:effectRef idx="0"/>
+    <cs:fontRef idx="minor">
+      <a:schemeClr val="tx1"/>
+    </cs:fontRef>
+    <cs:spPr>
+      <a:ln w="9525" cap="flat" cmpd="sng" algn="ctr">
+        <a:solidFill>
+          <a:schemeClr val="tx1">
+            <a:lumMod val="35000"/>
+            <a:lumOff val="65000"/>
+          </a:schemeClr>
+        </a:solidFill>
+        <a:round/>
+      </a:ln>
+    </cs:spPr>
+  </cs:dropLine>
+  <cs:errorBar>
+    <cs:lnRef idx="0"/>
+    <cs:fillRef idx="0"/>
+    <cs:effectRef idx="0"/>
+    <cs:fontRef idx="minor">
+      <a:schemeClr val="tx1"/>
+    </cs:fontRef>
+    <cs:spPr>
+      <a:ln w="9525" cap="flat" cmpd="sng" algn="ctr">
+        <a:solidFill>
+          <a:schemeClr val="tx1">
+            <a:lumMod val="65000"/>
+            <a:lumOff val="35000"/>
+          </a:schemeClr>
+        </a:solidFill>
+        <a:round/>
+      </a:ln>
+    </cs:spPr>
+  </cs:errorBar>
+  <cs:floor>
+    <cs:lnRef idx="0"/>
+    <cs:fillRef idx="0"/>
+    <cs:effectRef idx="0"/>
+    <cs:fontRef idx="minor">
+      <a:schemeClr val="tx1"/>
+    </cs:fontRef>
+    <cs:spPr>
+      <a:noFill/>
+      <a:ln>
+        <a:noFill/>
+      </a:ln>
+    </cs:spPr>
+  </cs:floor>
+  <cs:gridlineMajor>
+    <cs:lnRef idx="0"/>
+    <cs:fillRef idx="0"/>
+    <cs:effectRef idx="0"/>
+    <cs:fontRef idx="minor">
+      <a:schemeClr val="tx1"/>
+    </cs:fontRef>
+    <cs:spPr>
+      <a:ln w="9525" cap="flat" cmpd="sng" algn="ctr">
+        <a:solidFill>
+          <a:schemeClr val="tx1">
+            <a:lumMod val="15000"/>
+            <a:lumOff val="85000"/>
+          </a:schemeClr>
+        </a:solidFill>
+        <a:round/>
+      </a:ln>
+    </cs:spPr>
+  </cs:gridlineMajor>
+  <cs:gridlineMinor>
+    <cs:lnRef idx="0"/>
+    <cs:fillRef idx="0"/>
+    <cs:effectRef idx="0"/>
+    <cs:fontRef idx="minor">
+      <a:schemeClr val="tx1"/>
+    </cs:fontRef>
+    <cs:spPr>
+      <a:ln w="9525" cap="flat" cmpd="sng" algn="ctr">
+        <a:solidFill>
+          <a:schemeClr val="tx1">
+            <a:lumMod val="5000"/>
+            <a:lumOff val="95000"/>
+          </a:schemeClr>
+        </a:solidFill>
+        <a:round/>
+      </a:ln>
+    </cs:spPr>
+  </cs:gridlineMinor>
+  <cs:hiLoLine>
+    <cs:lnRef idx="0"/>
+    <cs:fillRef idx="0"/>
+    <cs:effectRef idx="0"/>
+    <cs:fontRef idx="minor">
+      <a:schemeClr val="tx1"/>
+    </cs:fontRef>
+    <cs:spPr>
+      <a:ln w="9525" cap="flat" cmpd="sng" algn="ctr">
+        <a:solidFill>
+          <a:schemeClr val="tx1">
+            <a:lumMod val="50000"/>
+            <a:lumOff val="50000"/>
+          </a:schemeClr>
+        </a:solidFill>
+        <a:round/>
+      </a:ln>
+    </cs:spPr>
+  </cs:hiLoLine>
+  <cs:leaderLine>
+    <cs:lnRef idx="0"/>
+    <cs:fillRef idx="0"/>
+    <cs:effectRef idx="0"/>
+    <cs:fontRef idx="minor">
+      <a:schemeClr val="tx1"/>
+    </cs:fontRef>
+    <cs:spPr>
+      <a:ln w="9525" cap="flat" cmpd="sng" algn="ctr">
+        <a:solidFill>
+          <a:schemeClr val="tx1">
+            <a:lumMod val="35000"/>
+            <a:lumOff val="65000"/>
+          </a:schemeClr>
+        </a:solidFill>
+        <a:round/>
+      </a:ln>
+    </cs:spPr>
+  </cs:leaderLine>
+  <cs:legend>
+    <cs:lnRef idx="0"/>
+    <cs:fillRef idx="0"/>
+    <cs:effectRef idx="0"/>
+    <cs:fontRef idx="minor">
+      <a:schemeClr val="tx1">
+        <a:lumMod val="65000"/>
+        <a:lumOff val="35000"/>
+      </a:schemeClr>
+    </cs:fontRef>
+    <cs:defRPr sz="1197" kern="1200"/>
+  </cs:legend>
+  <cs:plotArea mods="allowNoFillOverride allowNoLineOverride">
+    <cs:lnRef idx="0"/>
+    <cs:fillRef idx="0"/>
+    <cs:effectRef idx="0"/>
+    <cs:fontRef idx="minor">
+      <a:schemeClr val="tx1"/>
+    </cs:fontRef>
+  </cs:plotArea>
+  <cs:plotArea3D mods="allowNoFillOverride allowNoLineOverride">
+    <cs:lnRef idx="0"/>
+    <cs:fillRef idx="0"/>
+    <cs:effectRef idx="0"/>
+    <cs:fontRef idx="minor">
+      <a:schemeClr val="tx1"/>
+    </cs:fontRef>
+  </cs:plotArea3D>
+  <cs:seriesAxis>
+    <cs:lnRef idx="0"/>
+    <cs:fillRef idx="0"/>
+    <cs:effectRef idx="0"/>
+    <cs:fontRef idx="minor">
+      <a:schemeClr val="tx1">
+        <a:lumMod val="65000"/>
+        <a:lumOff val="35000"/>
+      </a:schemeClr>
+    </cs:fontRef>
+    <cs:defRPr sz="1197" kern="1200"/>
+  </cs:seriesAxis>
+  <cs:seriesLine>
+    <cs:lnRef idx="0"/>
+    <cs:fillRef idx="0"/>
+    <cs:effectRef idx="0"/>
+    <cs:fontRef idx="minor">
+      <a:schemeClr val="tx1"/>
+    </cs:fontRef>
+    <cs:spPr>
+      <a:ln w="9525" cap="flat" cmpd="sng" algn="ctr">
+        <a:solidFill>
+          <a:schemeClr val="tx1">
+            <a:lumMod val="35000"/>
+            <a:lumOff val="65000"/>
+          </a:schemeClr>
+        </a:solidFill>
+        <a:round/>
+      </a:ln>
+    </cs:spPr>
+  </cs:seriesLine>
+  <cs:title>
+    <cs:lnRef idx="0"/>
+    <cs:fillRef idx="0"/>
+    <cs:effectRef idx="0"/>
+    <cs:fontRef idx="minor">
+      <a:schemeClr val="tx1">
+        <a:lumMod val="65000"/>
+        <a:lumOff val="35000"/>
+      </a:schemeClr>
+    </cs:fontRef>
+    <cs:defRPr sz="1862" b="0" kern="1200" spc="0" baseline="0"/>
+  </cs:title>
+  <cs:trendline>
+    <cs:lnRef idx="0">
+      <cs:styleClr val="auto"/>
+    </cs:lnRef>
+    <cs:fillRef idx="0"/>
+    <cs:effectRef idx="0"/>
+    <cs:fontRef idx="minor">
+      <a:schemeClr val="tx1"/>
+    </cs:fontRef>
+    <cs:spPr>
+      <a:ln w="19050" cap="rnd">
+        <a:solidFill>
+          <a:schemeClr val="phClr"/>
+        </a:solidFill>
+        <a:prstDash val="sysDot"/>
+      </a:ln>
+    </cs:spPr>
+  </cs:trendline>
+  <cs:trendlineLabel>
+    <cs:lnRef idx="0"/>
+    <cs:fillRef idx="0"/>
+    <cs:effectRef idx="0"/>
+    <cs:fontRef idx="minor">
+      <a:schemeClr val="tx1">
+        <a:lumMod val="65000"/>
+        <a:lumOff val="35000"/>
+      </a:schemeClr>
+    </cs:fontRef>
+    <cs:defRPr sz="1197" kern="1200"/>
+  </cs:trendlineLabel>
+  <cs:upBar>
+    <cs:lnRef idx="0"/>
+    <cs:fillRef idx="0"/>
+    <cs:effectRef idx="0"/>
+    <cs:fontRef idx="minor">
+      <a:schemeClr val="tx1"/>
+    </cs:fontRef>
+    <cs:spPr>
+      <a:solidFill>
+        <a:schemeClr val="lt1"/>
+      </a:solidFill>
+      <a:ln w="9525" cap="flat" cmpd="sng" algn="ctr">
+        <a:solidFill>
+          <a:schemeClr val="tx1">
+            <a:lumMod val="65000"/>
+            <a:lumOff val="35000"/>
+          </a:schemeClr>
+        </a:solidFill>
+        <a:round/>
+      </a:ln>
+    </cs:spPr>
+  </cs:upBar>
+  <cs:valueAxis>
+    <cs:lnRef idx="0"/>
+    <cs:fillRef idx="0"/>
+    <cs:effectRef idx="0"/>
+    <cs:fontRef idx="minor">
+      <a:schemeClr val="tx1">
+        <a:lumMod val="65000"/>
+        <a:lumOff val="35000"/>
+      </a:schemeClr>
+    </cs:fontRef>
+    <cs:spPr>
+      <a:ln w="9525" cap="flat" cmpd="sng" algn="ctr">
+        <a:solidFill>
+          <a:schemeClr val="tx1">
+            <a:lumMod val="25000"/>
+            <a:lumOff val="75000"/>
+          </a:schemeClr>
+        </a:solidFill>
+        <a:round/>
+      </a:ln>
+    </cs:spPr>
+    <cs:defRPr sz="1197" kern="1200"/>
+  </cs:valueAxis>
+  <cs:wall>
+    <cs:lnRef idx="0"/>
+    <cs:fillRef idx="0"/>
+    <cs:effectRef idx="0"/>
+    <cs:fontRef idx="minor">
+      <a:schemeClr val="tx1"/>
+    </cs:fontRef>
+    <cs:spPr>
+      <a:noFill/>
+      <a:ln>
+        <a:noFill/>
+      </a:ln>
+    </cs:spPr>
+  </cs:wall>
+</cs:chartStyle>
+</file>
+
 <file path=ppt/handoutMasters/handoutMaster1.xml><?xml version="1.0" encoding="utf-8"?>
 <p:handoutMaster xmlns:a="http://schemas.openxmlformats.org/drawingml/2006/main" xmlns:r="http://schemas.openxmlformats.org/officeDocument/2006/relationships" xmlns:p="http://schemas.openxmlformats.org/presentationml/2006/main">
   <p:cSld>
@@ -171,7 +1024,7 @@
         </p:nvSpPr>
         <p:spPr>
           <a:xfrm>
-            <a:off x="0" y="0"/>
+            <a:off x="0" y="1"/>
             <a:ext cx="2971800" cy="458788"/>
           </a:xfrm>
           <a:prstGeom prst="rect">
@@ -208,7 +1061,7 @@
         </p:nvSpPr>
         <p:spPr>
           <a:xfrm>
-            <a:off x="3884613" y="0"/>
+            <a:off x="3884613" y="1"/>
             <a:ext cx="2971800" cy="458788"/>
           </a:xfrm>
           <a:prstGeom prst="rect">
@@ -354,7 +1207,7 @@
         </p:nvSpPr>
         <p:spPr>
           <a:xfrm>
-            <a:off x="0" y="0"/>
+            <a:off x="0" y="1"/>
             <a:ext cx="2971800" cy="458788"/>
           </a:xfrm>
           <a:prstGeom prst="rect">
@@ -385,7 +1238,7 @@
         </p:nvSpPr>
         <p:spPr>
           <a:xfrm>
-            <a:off x="3884613" y="0"/>
+            <a:off x="3884613" y="1"/>
             <a:ext cx="2971800" cy="458788"/>
           </a:xfrm>
           <a:prstGeom prst="rect">
@@ -453,8 +1306,8 @@
         </p:nvSpPr>
         <p:spPr>
           <a:xfrm>
-            <a:off x="685800" y="4400550"/>
-            <a:ext cx="5486400" cy="3600450"/>
+            <a:off x="685800" y="4400549"/>
+            <a:ext cx="5486400" cy="3600451"/>
           </a:xfrm>
           <a:prstGeom prst="rect">
             <a:avLst/>
@@ -4903,6 +5756,12 @@
                 <a14:m>
                   <m:oMath xmlns:m="http://schemas.openxmlformats.org/officeDocument/2006/math">
                     <m:r>
+                      <a:rPr lang="en-US" altLang="ja-JP" b="0" i="0" smtClean="0">
+                        <a:latin typeface="Cambria Math" panose="02040503050406030204" pitchFamily="18" charset="0"/>
+                      </a:rPr>
+                      <m:t> </m:t>
+                    </m:r>
+                    <m:r>
                       <a:rPr lang="en-US" altLang="ja-JP" i="1">
                         <a:latin typeface="Cambria Math" panose="02040503050406030204" pitchFamily="18" charset="0"/>
                       </a:rPr>
@@ -4954,7 +5813,7 @@
               <a:lstStyle/>
               <a:p>
                 <a:r>
-                  <a:rPr lang="ja-JP" altLang="en-US">
+                  <a:rPr lang="en-US">
                     <a:noFill/>
                   </a:rPr>
                   <a:t> </a:t>
@@ -4964,6 +5823,73 @@
           </p:sp>
         </mc:Fallback>
       </mc:AlternateContent>
+      <p:graphicFrame>
+        <p:nvGraphicFramePr>
+          <p:cNvPr id="6" name="グラフ 5">
+            <a:extLst>
+              <a:ext uri="{FF2B5EF4-FFF2-40B4-BE49-F238E27FC236}">
+                <a16:creationId xmlns:a16="http://schemas.microsoft.com/office/drawing/2014/main" id="{AE8CB408-D245-A682-A811-5E6DB925A400}"/>
+              </a:ext>
+            </a:extLst>
+          </p:cNvPr>
+          <p:cNvGraphicFramePr/>
+          <p:nvPr>
+            <p:extLst>
+              <p:ext uri="{D42A27DB-BD31-4B8C-83A1-F6EECF244321}">
+                <p14:modId xmlns:p14="http://schemas.microsoft.com/office/powerpoint/2010/main" val="161193815"/>
+              </p:ext>
+            </p:extLst>
+          </p:nvPr>
+        </p:nvGraphicFramePr>
+        <p:xfrm>
+          <a:off x="2909453" y="2172469"/>
+          <a:ext cx="6373093" cy="2642371"/>
+        </p:xfrm>
+        <a:graphic>
+          <a:graphicData uri="http://schemas.openxmlformats.org/drawingml/2006/chart">
+            <c:chart xmlns:c="http://schemas.openxmlformats.org/drawingml/2006/chart" xmlns:r="http://schemas.openxmlformats.org/officeDocument/2006/relationships" r:id="rId3"/>
+          </a:graphicData>
+        </a:graphic>
+      </p:graphicFrame>
+      <p:cxnSp>
+        <p:nvCxnSpPr>
+          <p:cNvPr id="8" name="直線コネクタ 7">
+            <a:extLst>
+              <a:ext uri="{FF2B5EF4-FFF2-40B4-BE49-F238E27FC236}">
+                <a16:creationId xmlns:a16="http://schemas.microsoft.com/office/drawing/2014/main" id="{A12437A3-C53B-329F-8423-CA7FC691C4B4}"/>
+              </a:ext>
+            </a:extLst>
+          </p:cNvPr>
+          <p:cNvCxnSpPr>
+            <a:cxnSpLocks/>
+          </p:cNvCxnSpPr>
+          <p:nvPr/>
+        </p:nvCxnSpPr>
+        <p:spPr>
+          <a:xfrm flipH="1">
+            <a:off x="4629150" y="2355056"/>
+            <a:ext cx="4433888" cy="2116932"/>
+          </a:xfrm>
+          <a:prstGeom prst="line">
+            <a:avLst/>
+          </a:prstGeom>
+          <a:ln w="19050"/>
+        </p:spPr>
+        <p:style>
+          <a:lnRef idx="1">
+            <a:schemeClr val="accent1"/>
+          </a:lnRef>
+          <a:fillRef idx="0">
+            <a:schemeClr val="accent1"/>
+          </a:fillRef>
+          <a:effectRef idx="0">
+            <a:schemeClr val="accent1"/>
+          </a:effectRef>
+          <a:fontRef idx="minor">
+            <a:schemeClr val="tx1"/>
+          </a:fontRef>
+        </p:style>
+      </p:cxnSp>
     </p:spTree>
     <p:extLst>
       <p:ext uri="{BB962C8B-B14F-4D97-AF65-F5344CB8AC3E}">
@@ -5020,8 +5946,8 @@
               <a:t>第</a:t>
             </a:r>
             <a:r>
-              <a:rPr lang="en-US" altLang="ja-JP" dirty="0"/>
-              <a:t>3</a:t>
+              <a:rPr lang="ja-JP" altLang="en-US" dirty="0"/>
+              <a:t>三</a:t>
             </a:r>
             <a:r>
               <a:rPr kumimoji="1" lang="ja-JP" altLang="en-US" dirty="0"/>
@@ -5073,7 +5999,15 @@
             </a:pPr>
             <a:r>
               <a:rPr kumimoji="1" lang="ja-JP" altLang="en-US" dirty="0"/>
-              <a:t>問題文を正確に読み，状況を整理して解き進める練習を今後も続けましょう．</a:t>
+              <a:t>問題文を正確に読み，状況を整理して解き進める練習を今後も続け</a:t>
+            </a:r>
+            <a:r>
+              <a:rPr lang="ja-JP" altLang="en-US" dirty="0"/>
+              <a:t>よう</a:t>
+            </a:r>
+            <a:r>
+              <a:rPr kumimoji="1" lang="ja-JP" altLang="en-US" dirty="0"/>
+              <a:t>．</a:t>
             </a:r>
             <a:endParaRPr kumimoji="1" lang="en-US" altLang="ja-JP" dirty="0"/>
           </a:p>
@@ -5113,7 +6047,7 @@
             </a:r>
             <a:r>
               <a:rPr lang="ja-JP" altLang="en-US" sz="2000" dirty="0"/>
-              <a:t>ずつ点が移動していることもわかる．一番右の点から</a:t>
+              <a:t>ずつ点が移動している．一番右の点から</a:t>
             </a:r>
             <a:r>
               <a:rPr lang="en-US" altLang="ja-JP" sz="2000" dirty="0"/>
@@ -5145,7 +6079,7 @@
             </a:r>
             <a:r>
               <a:rPr lang="ja-JP" altLang="en-US" sz="2000" dirty="0"/>
-              <a:t>時間前 であることがわかる．</a:t>
+              <a:t>時間前 である．</a:t>
             </a:r>
             <a:endParaRPr lang="en-US" altLang="ja-JP" sz="2000" dirty="0"/>
           </a:p>
@@ -5622,6 +6556,1500 @@
 </p:sld>
 </file>
 
+<file path=ppt/slides/slide12.xml><?xml version="1.0" encoding="utf-8"?>
+<p:sld xmlns:a="http://schemas.openxmlformats.org/drawingml/2006/main" xmlns:r="http://schemas.openxmlformats.org/officeDocument/2006/relationships" xmlns:p="http://schemas.openxmlformats.org/presentationml/2006/main">
+  <p:cSld>
+    <p:spTree>
+      <p:nvGrpSpPr>
+        <p:cNvPr id="1" name=""/>
+        <p:cNvGrpSpPr/>
+        <p:nvPr/>
+      </p:nvGrpSpPr>
+      <p:grpSpPr>
+        <a:xfrm>
+          <a:off x="0" y="0"/>
+          <a:ext cx="0" cy="0"/>
+          <a:chOff x="0" y="0"/>
+          <a:chExt cx="0" cy="0"/>
+        </a:xfrm>
+      </p:grpSpPr>
+      <p:sp>
+        <p:nvSpPr>
+          <p:cNvPr id="2" name="タイトル 1">
+            <a:extLst>
+              <a:ext uri="{FF2B5EF4-FFF2-40B4-BE49-F238E27FC236}">
+                <a16:creationId xmlns:a16="http://schemas.microsoft.com/office/drawing/2014/main" id="{7D6D7D61-EF75-EABA-77C1-CCE56BB0C4D0}"/>
+              </a:ext>
+            </a:extLst>
+          </p:cNvPr>
+          <p:cNvSpPr>
+            <a:spLocks noGrp="1"/>
+          </p:cNvSpPr>
+          <p:nvPr>
+            <p:ph type="title"/>
+          </p:nvPr>
+        </p:nvSpPr>
+        <p:spPr/>
+        <p:txBody>
+          <a:bodyPr/>
+          <a:lstStyle/>
+          <a:p>
+            <a:r>
+              <a:rPr lang="ja-JP" altLang="en-US" dirty="0"/>
+              <a:t>第四問</a:t>
+            </a:r>
+            <a:endParaRPr lang="en-US" dirty="0"/>
+          </a:p>
+        </p:txBody>
+      </p:sp>
+      <p:sp>
+        <p:nvSpPr>
+          <p:cNvPr id="3" name="コンテンツ プレースホルダー 2">
+            <a:extLst>
+              <a:ext uri="{FF2B5EF4-FFF2-40B4-BE49-F238E27FC236}">
+                <a16:creationId xmlns:a16="http://schemas.microsoft.com/office/drawing/2014/main" id="{1E282E27-7641-E1BF-EC10-5927930E4603}"/>
+              </a:ext>
+            </a:extLst>
+          </p:cNvPr>
+          <p:cNvSpPr>
+            <a:spLocks noGrp="1"/>
+          </p:cNvSpPr>
+          <p:nvPr>
+            <p:ph idx="1"/>
+          </p:nvPr>
+        </p:nvSpPr>
+        <p:spPr/>
+        <p:txBody>
+          <a:bodyPr>
+            <a:normAutofit/>
+          </a:bodyPr>
+          <a:lstStyle/>
+          <a:p>
+            <a:pPr marL="0" indent="0">
+              <a:buNone/>
+            </a:pPr>
+            <a:r>
+              <a:rPr lang="ja-JP" altLang="en-US" dirty="0"/>
+              <a:t>この問題も特段知識を必要とせず，丁寧に考えれば解ける問題です。</a:t>
+            </a:r>
+            <a:endParaRPr lang="en-US" altLang="ja-JP" dirty="0"/>
+          </a:p>
+          <a:p>
+            <a:pPr marL="0" indent="0">
+              <a:buNone/>
+            </a:pPr>
+            <a:endParaRPr lang="en-US" altLang="ja-JP" dirty="0"/>
+          </a:p>
+          <a:p>
+            <a:pPr marL="514350" indent="-514350">
+              <a:buAutoNum type="arabicPeriod"/>
+            </a:pPr>
+            <a:r>
+              <a:rPr lang="ja-JP" altLang="en-US" dirty="0"/>
+              <a:t>分力は合力を対角線とするような平行四辺形を描くことで求まる。</a:t>
+            </a:r>
+            <a:endParaRPr lang="en-US" altLang="ja-JP" dirty="0"/>
+          </a:p>
+          <a:p>
+            <a:pPr marL="514350" indent="-514350">
+              <a:buAutoNum type="arabicPeriod"/>
+            </a:pPr>
+            <a:r>
+              <a:rPr lang="ja-JP" altLang="en-US" dirty="0"/>
+              <a:t>斜面を下る：</a:t>
+            </a:r>
+            <a:r>
+              <a:rPr lang="ja-JP" altLang="en-US" u="sng" dirty="0"/>
+              <a:t>加速</a:t>
+            </a:r>
+            <a:r>
+              <a:rPr lang="ja-JP" altLang="en-US" dirty="0"/>
+              <a:t>　斜面を上る：</a:t>
+            </a:r>
+            <a:r>
+              <a:rPr lang="ja-JP" altLang="en-US" u="sng" dirty="0"/>
+              <a:t>減速</a:t>
+            </a:r>
+            <a:r>
+              <a:rPr lang="ja-JP" altLang="en-US" dirty="0"/>
+              <a:t>　それ以外：</a:t>
+            </a:r>
+            <a:r>
+              <a:rPr lang="ja-JP" altLang="en-US" u="sng" dirty="0"/>
+              <a:t>等速直線運動</a:t>
+            </a:r>
+            <a:endParaRPr lang="en-US" altLang="ja-JP" u="sng" dirty="0"/>
+          </a:p>
+          <a:p>
+            <a:pPr marL="514350" indent="-514350">
+              <a:buAutoNum type="arabicPeriod"/>
+            </a:pPr>
+            <a:r>
+              <a:rPr lang="ja-JP" altLang="en-US" dirty="0"/>
+              <a:t>問題文に「摩擦や空気の抵抗はなく」「なめらかにつながっている」という文言がある。これはつまり，重力以外の力はこの運動に作用しないということを言っており，力学的エネルギーは保存される。</a:t>
+            </a:r>
+            <a:endParaRPr lang="en-US" altLang="ja-JP" dirty="0"/>
+          </a:p>
+          <a:p>
+            <a:pPr marL="514350" indent="-514350">
+              <a:buAutoNum type="arabicPeriod"/>
+            </a:pPr>
+            <a:r>
+              <a:rPr lang="ja-JP" altLang="en-US" dirty="0"/>
+              <a:t>模範解答の通り。</a:t>
+            </a:r>
+            <a:endParaRPr lang="en-US" altLang="ja-JP" dirty="0"/>
+          </a:p>
+          <a:p>
+            <a:pPr marL="514350" indent="-514350">
+              <a:buAutoNum type="arabicPeriod"/>
+            </a:pPr>
+            <a:r>
+              <a:rPr lang="ja-JP" altLang="en-US" dirty="0"/>
+              <a:t>一番左の球は</a:t>
+            </a:r>
+            <a:r>
+              <a:rPr lang="en-US" altLang="ja-JP" dirty="0"/>
+              <a:t>0cm</a:t>
+            </a:r>
+            <a:r>
+              <a:rPr lang="ja-JP" altLang="en-US" dirty="0"/>
+              <a:t>の位置にいると誤解していませんでしたか。もしこのようなミスをしてしまった人は，自分は思い込みで考えてしまいやすいということを認識し，いつもより丁寧に問題を読む癖をつけよう。</a:t>
+            </a:r>
+            <a:endParaRPr lang="en-US" altLang="ja-JP" dirty="0"/>
+          </a:p>
+          <a:p>
+            <a:pPr marL="514350" indent="-514350">
+              <a:buAutoNum type="arabicParenBoth"/>
+            </a:pPr>
+            <a:endParaRPr lang="en-US" altLang="ja-JP" dirty="0"/>
+          </a:p>
+        </p:txBody>
+      </p:sp>
+    </p:spTree>
+    <p:extLst>
+      <p:ext uri="{BB962C8B-B14F-4D97-AF65-F5344CB8AC3E}">
+        <p14:creationId xmlns:p14="http://schemas.microsoft.com/office/powerpoint/2010/main" val="562032809"/>
+      </p:ext>
+    </p:extLst>
+  </p:cSld>
+  <p:clrMapOvr>
+    <a:masterClrMapping/>
+  </p:clrMapOvr>
+</p:sld>
+</file>
+
+<file path=ppt/slides/slide13.xml><?xml version="1.0" encoding="utf-8"?>
+<p:sld xmlns:a="http://schemas.openxmlformats.org/drawingml/2006/main" xmlns:r="http://schemas.openxmlformats.org/officeDocument/2006/relationships" xmlns:p="http://schemas.openxmlformats.org/presentationml/2006/main">
+  <p:cSld>
+    <p:spTree>
+      <p:nvGrpSpPr>
+        <p:cNvPr id="1" name=""/>
+        <p:cNvGrpSpPr/>
+        <p:nvPr/>
+      </p:nvGrpSpPr>
+      <p:grpSpPr>
+        <a:xfrm>
+          <a:off x="0" y="0"/>
+          <a:ext cx="0" cy="0"/>
+          <a:chOff x="0" y="0"/>
+          <a:chExt cx="0" cy="0"/>
+        </a:xfrm>
+      </p:grpSpPr>
+      <p:sp>
+        <p:nvSpPr>
+          <p:cNvPr id="2" name="タイトル 1">
+            <a:extLst>
+              <a:ext uri="{FF2B5EF4-FFF2-40B4-BE49-F238E27FC236}">
+                <a16:creationId xmlns:a16="http://schemas.microsoft.com/office/drawing/2014/main" id="{65841497-571F-9B1A-43A8-6B4638E81C1A}"/>
+              </a:ext>
+            </a:extLst>
+          </p:cNvPr>
+          <p:cNvSpPr>
+            <a:spLocks noGrp="1"/>
+          </p:cNvSpPr>
+          <p:nvPr>
+            <p:ph type="title"/>
+          </p:nvPr>
+        </p:nvSpPr>
+        <p:spPr/>
+        <p:txBody>
+          <a:bodyPr/>
+          <a:lstStyle/>
+          <a:p>
+            <a:r>
+              <a:rPr lang="ja-JP" altLang="en-US" dirty="0"/>
+              <a:t>第五問 </a:t>
+            </a:r>
+            <a:r>
+              <a:rPr lang="en-US" altLang="ja-JP" dirty="0"/>
+              <a:t>1</a:t>
+            </a:r>
+            <a:endParaRPr lang="en-US" dirty="0"/>
+          </a:p>
+        </p:txBody>
+      </p:sp>
+      <p:sp>
+        <p:nvSpPr>
+          <p:cNvPr id="3" name="コンテンツ プレースホルダー 2">
+            <a:extLst>
+              <a:ext uri="{FF2B5EF4-FFF2-40B4-BE49-F238E27FC236}">
+                <a16:creationId xmlns:a16="http://schemas.microsoft.com/office/drawing/2014/main" id="{A7F44641-8E24-9100-DBBE-EF5BA91E84A3}"/>
+              </a:ext>
+            </a:extLst>
+          </p:cNvPr>
+          <p:cNvSpPr>
+            <a:spLocks noGrp="1"/>
+          </p:cNvSpPr>
+          <p:nvPr>
+            <p:ph idx="1"/>
+          </p:nvPr>
+        </p:nvSpPr>
+        <p:spPr>
+          <a:xfrm>
+            <a:off x="345594" y="1099789"/>
+            <a:ext cx="11633970" cy="5758211"/>
+          </a:xfrm>
+        </p:spPr>
+        <p:txBody>
+          <a:bodyPr>
+            <a:normAutofit/>
+          </a:bodyPr>
+          <a:lstStyle/>
+          <a:p>
+            <a:pPr marL="0" indent="0">
+              <a:buNone/>
+            </a:pPr>
+            <a:r>
+              <a:rPr lang="ja-JP" altLang="en-US" u="sng" dirty="0"/>
+              <a:t>有機物（有機化合物）</a:t>
+            </a:r>
+            <a:endParaRPr lang="en-US" altLang="ja-JP" u="sng" dirty="0"/>
+          </a:p>
+          <a:p>
+            <a:pPr marL="0" indent="0">
+              <a:buNone/>
+            </a:pPr>
+            <a:r>
+              <a:rPr lang="ja-JP" altLang="en-US" dirty="0"/>
+              <a:t>炭素</a:t>
+            </a:r>
+            <a:r>
+              <a:rPr lang="en-US" altLang="ja-JP" dirty="0"/>
+              <a:t>(C)</a:t>
+            </a:r>
+            <a:r>
+              <a:rPr lang="ja-JP" altLang="en-US" dirty="0"/>
+              <a:t>を含むもの。ただし，一酸化炭素</a:t>
+            </a:r>
+            <a:r>
+              <a:rPr lang="en-US" altLang="ja-JP" dirty="0"/>
+              <a:t>(CO)</a:t>
+            </a:r>
+            <a:r>
+              <a:rPr lang="ja-JP" altLang="en-US" dirty="0"/>
+              <a:t>や二酸化炭素</a:t>
+            </a:r>
+            <a:r>
+              <a:rPr lang="en-US" altLang="ja-JP" dirty="0"/>
+              <a:t>(CO</a:t>
+            </a:r>
+            <a:r>
+              <a:rPr lang="ja-JP" altLang="en-US" dirty="0"/>
+              <a:t>₂</a:t>
+            </a:r>
+            <a:r>
+              <a:rPr lang="en-US" altLang="ja-JP" dirty="0"/>
+              <a:t>)</a:t>
+            </a:r>
+            <a:r>
+              <a:rPr lang="ja-JP" altLang="en-US" dirty="0"/>
+              <a:t>等は例外。</a:t>
+            </a:r>
+            <a:endParaRPr lang="en-US" altLang="ja-JP" dirty="0"/>
+          </a:p>
+          <a:p>
+            <a:pPr marL="0" indent="0">
+              <a:buNone/>
+            </a:pPr>
+            <a:r>
+              <a:rPr lang="en-US" dirty="0"/>
+              <a:t>	</a:t>
+            </a:r>
+            <a:r>
+              <a:rPr lang="ja-JP" altLang="en-US" dirty="0"/>
+              <a:t>エタノール </a:t>
+            </a:r>
+            <a:r>
+              <a:rPr lang="en-US" altLang="ja-JP" dirty="0"/>
+              <a:t>		C</a:t>
+            </a:r>
+            <a:r>
+              <a:rPr lang="ja-JP" altLang="en-US" dirty="0"/>
+              <a:t>₂</a:t>
+            </a:r>
+            <a:r>
+              <a:rPr lang="en-US" altLang="ja-JP" dirty="0"/>
+              <a:t>H</a:t>
+            </a:r>
+            <a:r>
+              <a:rPr lang="ja-JP" altLang="en-US" dirty="0"/>
+              <a:t>₅</a:t>
+            </a:r>
+            <a:r>
+              <a:rPr lang="en-US" altLang="ja-JP" dirty="0"/>
+              <a:t>OH</a:t>
+            </a:r>
+          </a:p>
+          <a:p>
+            <a:pPr marL="0" indent="0">
+              <a:buNone/>
+            </a:pPr>
+            <a:r>
+              <a:rPr lang="en-US" dirty="0"/>
+              <a:t>	</a:t>
+            </a:r>
+            <a:r>
+              <a:rPr lang="ja-JP" altLang="en-US" dirty="0"/>
+              <a:t>硫黄</a:t>
+            </a:r>
+            <a:r>
+              <a:rPr lang="en-US" altLang="ja-JP" dirty="0"/>
+              <a:t>			S</a:t>
+            </a:r>
+          </a:p>
+          <a:p>
+            <a:pPr marL="0" indent="0">
+              <a:buNone/>
+            </a:pPr>
+            <a:r>
+              <a:rPr lang="en-US" dirty="0"/>
+              <a:t>	</a:t>
+            </a:r>
+            <a:r>
+              <a:rPr lang="ja-JP" altLang="en-US" dirty="0"/>
+              <a:t>塩化ナトリウム</a:t>
+            </a:r>
+            <a:r>
+              <a:rPr lang="en-US" altLang="ja-JP" dirty="0"/>
+              <a:t>	NaCl</a:t>
+            </a:r>
+          </a:p>
+          <a:p>
+            <a:pPr marL="0" indent="0">
+              <a:buNone/>
+            </a:pPr>
+            <a:r>
+              <a:rPr lang="en-US" dirty="0"/>
+              <a:t>	</a:t>
+            </a:r>
+            <a:r>
+              <a:rPr lang="ja-JP" altLang="en-US" dirty="0"/>
+              <a:t>ドライアイス</a:t>
+            </a:r>
+            <a:r>
+              <a:rPr lang="en-US" altLang="ja-JP" dirty="0"/>
+              <a:t>		CO</a:t>
+            </a:r>
+            <a:r>
+              <a:rPr lang="ja-JP" altLang="en-US" dirty="0"/>
+              <a:t>₂ </a:t>
+            </a:r>
+            <a:r>
+              <a:rPr lang="en-US" altLang="ja-JP" dirty="0"/>
+              <a:t>(</a:t>
+            </a:r>
+            <a:r>
+              <a:rPr lang="ja-JP" altLang="en-US" dirty="0"/>
+              <a:t>固体</a:t>
+            </a:r>
+            <a:r>
+              <a:rPr lang="en-US" altLang="ja-JP" dirty="0"/>
+              <a:t>)</a:t>
+            </a:r>
+          </a:p>
+          <a:p>
+            <a:pPr marL="0" indent="0">
+              <a:buNone/>
+            </a:pPr>
+            <a:endParaRPr lang="en-US" dirty="0"/>
+          </a:p>
+          <a:p>
+            <a:pPr marL="0" indent="0">
+              <a:buNone/>
+            </a:pPr>
+            <a:r>
+              <a:rPr lang="ja-JP" altLang="en-US" dirty="0"/>
+              <a:t>☆</a:t>
+            </a:r>
+            <a:r>
+              <a:rPr lang="en-US" dirty="0"/>
+              <a:t>CO</a:t>
+            </a:r>
+            <a:r>
+              <a:rPr lang="ja-JP" altLang="en-US" dirty="0"/>
+              <a:t>や</a:t>
+            </a:r>
+            <a:r>
+              <a:rPr lang="en-US" altLang="ja-JP" dirty="0"/>
+              <a:t>CO</a:t>
+            </a:r>
+            <a:r>
+              <a:rPr lang="ja-JP" altLang="en-US" dirty="0"/>
+              <a:t>₂，ダイヤモンドや黒鉛，炭酸○○などは例外的に無機物とされる。</a:t>
+            </a:r>
+            <a:endParaRPr lang="en-US" altLang="ja-JP" dirty="0"/>
+          </a:p>
+          <a:p>
+            <a:pPr marL="0" indent="0">
+              <a:buNone/>
+            </a:pPr>
+            <a:r>
+              <a:rPr lang="en-US" altLang="ja-JP" sz="2400" dirty="0"/>
+              <a:t>	</a:t>
+            </a:r>
+            <a:r>
+              <a:rPr lang="ja-JP" altLang="en-US" sz="2400" dirty="0"/>
+              <a:t>有機物は燃やすと水と二酸化炭素を生成する性質があり，これらの物質は燃やして</a:t>
+            </a:r>
+            <a:r>
+              <a:rPr lang="en-US" altLang="ja-JP" sz="2400" dirty="0"/>
+              <a:t>	</a:t>
+            </a:r>
+            <a:r>
+              <a:rPr lang="ja-JP" altLang="en-US" sz="2400" dirty="0"/>
+              <a:t>も水を生成しない。燃える水を生成するためには，元の分子が炭素だけでなく</a:t>
+            </a:r>
+            <a:r>
+              <a:rPr lang="ja-JP" altLang="en-US" sz="2400" b="1" u="sng" dirty="0"/>
+              <a:t>水素</a:t>
+            </a:r>
+            <a:r>
+              <a:rPr lang="ja-JP" altLang="en-US" sz="2400" dirty="0"/>
+              <a:t>を</a:t>
+            </a:r>
+            <a:r>
+              <a:rPr lang="en-US" altLang="ja-JP" sz="2400" dirty="0"/>
+              <a:t>	</a:t>
+            </a:r>
+            <a:r>
+              <a:rPr lang="ja-JP" altLang="en-US" sz="2400" dirty="0"/>
+              <a:t>持っていることが必要だ。</a:t>
+            </a:r>
+            <a:endParaRPr lang="en-US" sz="2400" dirty="0"/>
+          </a:p>
+        </p:txBody>
+      </p:sp>
+    </p:spTree>
+    <p:extLst>
+      <p:ext uri="{BB962C8B-B14F-4D97-AF65-F5344CB8AC3E}">
+        <p14:creationId xmlns:p14="http://schemas.microsoft.com/office/powerpoint/2010/main" val="3791219993"/>
+      </p:ext>
+    </p:extLst>
+  </p:cSld>
+  <p:clrMapOvr>
+    <a:masterClrMapping/>
+  </p:clrMapOvr>
+</p:sld>
+</file>
+
+<file path=ppt/slides/slide14.xml><?xml version="1.0" encoding="utf-8"?>
+<p:sld xmlns:a="http://schemas.openxmlformats.org/drawingml/2006/main" xmlns:r="http://schemas.openxmlformats.org/officeDocument/2006/relationships" xmlns:p="http://schemas.openxmlformats.org/presentationml/2006/main">
+  <p:cSld>
+    <p:spTree>
+      <p:nvGrpSpPr>
+        <p:cNvPr id="1" name=""/>
+        <p:cNvGrpSpPr/>
+        <p:nvPr/>
+      </p:nvGrpSpPr>
+      <p:grpSpPr>
+        <a:xfrm>
+          <a:off x="0" y="0"/>
+          <a:ext cx="0" cy="0"/>
+          <a:chOff x="0" y="0"/>
+          <a:chExt cx="0" cy="0"/>
+        </a:xfrm>
+      </p:grpSpPr>
+      <p:sp>
+        <p:nvSpPr>
+          <p:cNvPr id="2" name="タイトル 1">
+            <a:extLst>
+              <a:ext uri="{FF2B5EF4-FFF2-40B4-BE49-F238E27FC236}">
+                <a16:creationId xmlns:a16="http://schemas.microsoft.com/office/drawing/2014/main" id="{F594C5B0-D141-9961-DAD2-850165EC87E5}"/>
+              </a:ext>
+            </a:extLst>
+          </p:cNvPr>
+          <p:cNvSpPr>
+            <a:spLocks noGrp="1"/>
+          </p:cNvSpPr>
+          <p:nvPr>
+            <p:ph type="title"/>
+          </p:nvPr>
+        </p:nvSpPr>
+        <p:spPr/>
+        <p:txBody>
+          <a:bodyPr/>
+          <a:lstStyle/>
+          <a:p>
+            <a:r>
+              <a:rPr lang="ja-JP" altLang="en-US" dirty="0"/>
+              <a:t>第五問 </a:t>
+            </a:r>
+            <a:r>
+              <a:rPr lang="en-US" altLang="ja-JP" dirty="0"/>
+              <a:t>2</a:t>
+            </a:r>
+            <a:r>
+              <a:rPr lang="ja-JP" altLang="en-US" dirty="0"/>
+              <a:t> </a:t>
+            </a:r>
+            <a:r>
+              <a:rPr lang="en-US" altLang="ja-JP" dirty="0"/>
+              <a:t>5</a:t>
+            </a:r>
+            <a:r>
+              <a:rPr lang="ja-JP" altLang="en-US" dirty="0"/>
+              <a:t> </a:t>
+            </a:r>
+            <a:r>
+              <a:rPr lang="en-US" altLang="ja-JP" dirty="0"/>
+              <a:t>6</a:t>
+            </a:r>
+            <a:endParaRPr lang="en-US" dirty="0"/>
+          </a:p>
+        </p:txBody>
+      </p:sp>
+      <p:sp>
+        <p:nvSpPr>
+          <p:cNvPr id="3" name="コンテンツ プレースホルダー 2">
+            <a:extLst>
+              <a:ext uri="{FF2B5EF4-FFF2-40B4-BE49-F238E27FC236}">
+                <a16:creationId xmlns:a16="http://schemas.microsoft.com/office/drawing/2014/main" id="{F6A599DE-3AF6-7EF1-13CB-2A2E542DBB6C}"/>
+              </a:ext>
+            </a:extLst>
+          </p:cNvPr>
+          <p:cNvSpPr>
+            <a:spLocks noGrp="1"/>
+          </p:cNvSpPr>
+          <p:nvPr>
+            <p:ph idx="1"/>
+          </p:nvPr>
+        </p:nvSpPr>
+        <p:spPr>
+          <a:xfrm>
+            <a:off x="345594" y="1099789"/>
+            <a:ext cx="11500813" cy="5490879"/>
+          </a:xfrm>
+        </p:spPr>
+        <p:txBody>
+          <a:bodyPr/>
+          <a:lstStyle/>
+          <a:p>
+            <a:pPr marL="0" indent="0">
+              <a:buNone/>
+            </a:pPr>
+            <a:r>
+              <a:rPr lang="ja-JP" altLang="en-US" b="1" dirty="0"/>
+              <a:t>状態変化</a:t>
+            </a:r>
+            <a:endParaRPr lang="en-US" altLang="ja-JP" b="1" dirty="0"/>
+          </a:p>
+          <a:p>
+            <a:pPr marL="0" indent="0">
+              <a:buNone/>
+            </a:pPr>
+            <a:endParaRPr lang="en-US" dirty="0"/>
+          </a:p>
+          <a:p>
+            <a:pPr marL="0" indent="0">
+              <a:buNone/>
+            </a:pPr>
+            <a:endParaRPr lang="en-US" dirty="0"/>
+          </a:p>
+          <a:p>
+            <a:pPr marL="0" indent="0">
+              <a:buNone/>
+            </a:pPr>
+            <a:endParaRPr lang="en-US" dirty="0"/>
+          </a:p>
+          <a:p>
+            <a:pPr marL="0" indent="0">
+              <a:buNone/>
+            </a:pPr>
+            <a:endParaRPr lang="en-US" dirty="0"/>
+          </a:p>
+          <a:p>
+            <a:pPr marL="0" indent="0">
+              <a:buNone/>
+            </a:pPr>
+            <a:endParaRPr lang="en-US" dirty="0"/>
+          </a:p>
+          <a:p>
+            <a:pPr marL="0" indent="0">
+              <a:buNone/>
+            </a:pPr>
+            <a:endParaRPr lang="en-US" dirty="0"/>
+          </a:p>
+          <a:p>
+            <a:pPr marL="0" indent="0">
+              <a:buNone/>
+            </a:pPr>
+            <a:r>
+              <a:rPr lang="ja-JP" altLang="en-US" b="1" u="sng" dirty="0"/>
+              <a:t>体積</a:t>
+            </a:r>
+            <a:r>
+              <a:rPr lang="en-US" altLang="ja-JP" dirty="0"/>
+              <a:t>		</a:t>
+            </a:r>
+            <a:r>
+              <a:rPr lang="ja-JP" altLang="en-US" dirty="0"/>
+              <a:t>小</a:t>
+            </a:r>
+            <a:r>
+              <a:rPr lang="en-US" altLang="ja-JP" dirty="0"/>
+              <a:t>				</a:t>
+            </a:r>
+            <a:r>
+              <a:rPr lang="ja-JP" altLang="en-US" dirty="0"/>
+              <a:t>　中</a:t>
+            </a:r>
+            <a:r>
+              <a:rPr lang="en-US" altLang="ja-JP" dirty="0"/>
+              <a:t>					</a:t>
+            </a:r>
+            <a:r>
+              <a:rPr lang="ja-JP" altLang="en-US" dirty="0"/>
+              <a:t>大</a:t>
+            </a:r>
+            <a:endParaRPr lang="en-US" altLang="ja-JP" dirty="0"/>
+          </a:p>
+          <a:p>
+            <a:pPr marL="0" indent="0">
+              <a:buNone/>
+            </a:pPr>
+            <a:r>
+              <a:rPr lang="ja-JP" altLang="en-US" b="1" u="sng" dirty="0"/>
+              <a:t>温度</a:t>
+            </a:r>
+            <a:r>
+              <a:rPr lang="en-US" altLang="ja-JP" dirty="0"/>
+              <a:t>		</a:t>
+            </a:r>
+            <a:r>
+              <a:rPr lang="ja-JP" altLang="en-US" dirty="0"/>
+              <a:t>低</a:t>
+            </a:r>
+            <a:r>
+              <a:rPr lang="en-US" altLang="ja-JP" dirty="0"/>
+              <a:t>				</a:t>
+            </a:r>
+            <a:r>
+              <a:rPr lang="ja-JP" altLang="en-US" dirty="0"/>
+              <a:t>　中</a:t>
+            </a:r>
+            <a:r>
+              <a:rPr lang="en-US" altLang="ja-JP" dirty="0"/>
+              <a:t>					</a:t>
+            </a:r>
+            <a:r>
+              <a:rPr lang="ja-JP" altLang="en-US" dirty="0"/>
+              <a:t>高</a:t>
+            </a:r>
+            <a:endParaRPr lang="en-US" altLang="ja-JP" dirty="0"/>
+          </a:p>
+          <a:p>
+            <a:pPr marL="0" indent="0">
+              <a:buNone/>
+            </a:pPr>
+            <a:r>
+              <a:rPr lang="ja-JP" altLang="en-US" dirty="0"/>
+              <a:t>☆温度の高さと粒子の運動の激しさは</a:t>
+            </a:r>
+            <a:r>
+              <a:rPr lang="ja-JP" altLang="en-US" u="sng" dirty="0"/>
+              <a:t>完全に対応する</a:t>
+            </a:r>
+            <a:r>
+              <a:rPr lang="ja-JP" altLang="en-US" dirty="0"/>
+              <a:t>。</a:t>
+            </a:r>
+            <a:endParaRPr lang="en-US" dirty="0"/>
+          </a:p>
+        </p:txBody>
+      </p:sp>
+      <p:pic>
+        <p:nvPicPr>
+          <p:cNvPr id="1026" name="Picture 2">
+            <a:extLst>
+              <a:ext uri="{FF2B5EF4-FFF2-40B4-BE49-F238E27FC236}">
+                <a16:creationId xmlns:a16="http://schemas.microsoft.com/office/drawing/2014/main" id="{934611C8-E24F-5BB6-77E8-55F1E4E29D85}"/>
+              </a:ext>
+            </a:extLst>
+          </p:cNvPr>
+          <p:cNvPicPr>
+            <a:picLocks noChangeAspect="1" noChangeArrowheads="1"/>
+          </p:cNvPicPr>
+          <p:nvPr/>
+        </p:nvPicPr>
+        <p:blipFill>
+          <a:blip r:embed="rId2">
+            <a:extLst>
+              <a:ext uri="{28A0092B-C50C-407E-A947-70E740481C1C}">
+                <a14:useLocalDpi xmlns:a14="http://schemas.microsoft.com/office/drawing/2010/main" val="0"/>
+              </a:ext>
+            </a:extLst>
+          </a:blip>
+          <a:srcRect/>
+          <a:stretch>
+            <a:fillRect/>
+          </a:stretch>
+        </p:blipFill>
+        <p:spPr bwMode="auto">
+          <a:xfrm>
+            <a:off x="1881548" y="1255096"/>
+            <a:ext cx="9223230" cy="3590425"/>
+          </a:xfrm>
+          <a:prstGeom prst="rect">
+            <a:avLst/>
+          </a:prstGeom>
+          <a:noFill/>
+          <a:extLst>
+            <a:ext uri="{909E8E84-426E-40DD-AFC4-6F175D3DCCD1}">
+              <a14:hiddenFill xmlns:a14="http://schemas.microsoft.com/office/drawing/2010/main">
+                <a:solidFill>
+                  <a:srgbClr val="FFFFFF"/>
+                </a:solidFill>
+              </a14:hiddenFill>
+            </a:ext>
+          </a:extLst>
+        </p:spPr>
+      </p:pic>
+      <p:sp>
+        <p:nvSpPr>
+          <p:cNvPr id="5" name="テキスト ボックス 4">
+            <a:extLst>
+              <a:ext uri="{FF2B5EF4-FFF2-40B4-BE49-F238E27FC236}">
+                <a16:creationId xmlns:a16="http://schemas.microsoft.com/office/drawing/2014/main" id="{FB45597F-DA38-4F49-7A5C-934D02E75381}"/>
+              </a:ext>
+            </a:extLst>
+          </p:cNvPr>
+          <p:cNvSpPr txBox="1"/>
+          <p:nvPr/>
+        </p:nvSpPr>
+        <p:spPr>
+          <a:xfrm>
+            <a:off x="5434831" y="6590668"/>
+            <a:ext cx="6757169" cy="261610"/>
+          </a:xfrm>
+          <a:prstGeom prst="rect">
+            <a:avLst/>
+          </a:prstGeom>
+          <a:noFill/>
+        </p:spPr>
+        <p:txBody>
+          <a:bodyPr wrap="square">
+            <a:spAutoFit/>
+          </a:bodyPr>
+          <a:lstStyle/>
+          <a:p>
+            <a:r>
+              <a:rPr lang="en-US" sz="1100" dirty="0"/>
+              <a:t>https://pigboat-don-guri131.ssl-lolipop.jp/822%20Three-states%20of%20matter%20and%20state%20change.html</a:t>
+            </a:r>
+          </a:p>
+        </p:txBody>
+      </p:sp>
+    </p:spTree>
+    <p:extLst>
+      <p:ext uri="{BB962C8B-B14F-4D97-AF65-F5344CB8AC3E}">
+        <p14:creationId xmlns:p14="http://schemas.microsoft.com/office/powerpoint/2010/main" val="841838704"/>
+      </p:ext>
+    </p:extLst>
+  </p:cSld>
+  <p:clrMapOvr>
+    <a:masterClrMapping/>
+  </p:clrMapOvr>
+</p:sld>
+</file>
+
+<file path=ppt/slides/slide15.xml><?xml version="1.0" encoding="utf-8"?>
+<p:sld xmlns:a="http://schemas.openxmlformats.org/drawingml/2006/main" xmlns:r="http://schemas.openxmlformats.org/officeDocument/2006/relationships" xmlns:p="http://schemas.openxmlformats.org/presentationml/2006/main">
+  <p:cSld>
+    <p:spTree>
+      <p:nvGrpSpPr>
+        <p:cNvPr id="1" name=""/>
+        <p:cNvGrpSpPr/>
+        <p:nvPr/>
+      </p:nvGrpSpPr>
+      <p:grpSpPr>
+        <a:xfrm>
+          <a:off x="0" y="0"/>
+          <a:ext cx="0" cy="0"/>
+          <a:chOff x="0" y="0"/>
+          <a:chExt cx="0" cy="0"/>
+        </a:xfrm>
+      </p:grpSpPr>
+      <p:sp>
+        <p:nvSpPr>
+          <p:cNvPr id="2" name="タイトル 1">
+            <a:extLst>
+              <a:ext uri="{FF2B5EF4-FFF2-40B4-BE49-F238E27FC236}">
+                <a16:creationId xmlns:a16="http://schemas.microsoft.com/office/drawing/2014/main" id="{CCC99FED-7A3E-26A9-D66D-2E2B0ED26741}"/>
+              </a:ext>
+            </a:extLst>
+          </p:cNvPr>
+          <p:cNvSpPr>
+            <a:spLocks noGrp="1"/>
+          </p:cNvSpPr>
+          <p:nvPr>
+            <p:ph type="title"/>
+          </p:nvPr>
+        </p:nvSpPr>
+        <p:spPr/>
+        <p:txBody>
+          <a:bodyPr/>
+          <a:lstStyle/>
+          <a:p>
+            <a:r>
+              <a:rPr lang="ja-JP" altLang="en-US" dirty="0"/>
+              <a:t>第五問 </a:t>
+            </a:r>
+            <a:r>
+              <a:rPr lang="en-US" altLang="ja-JP" dirty="0"/>
+              <a:t>2</a:t>
+            </a:r>
+            <a:r>
+              <a:rPr lang="ja-JP" altLang="en-US" dirty="0"/>
+              <a:t> </a:t>
+            </a:r>
+            <a:r>
+              <a:rPr lang="en-US" altLang="ja-JP" dirty="0"/>
+              <a:t>5</a:t>
+            </a:r>
+            <a:r>
+              <a:rPr lang="ja-JP" altLang="en-US" dirty="0"/>
+              <a:t> </a:t>
+            </a:r>
+            <a:r>
+              <a:rPr lang="en-US" altLang="ja-JP" dirty="0"/>
+              <a:t>6</a:t>
+            </a:r>
+            <a:endParaRPr lang="en-US" dirty="0"/>
+          </a:p>
+        </p:txBody>
+      </p:sp>
+      <p:sp>
+        <p:nvSpPr>
+          <p:cNvPr id="3" name="コンテンツ プレースホルダー 2">
+            <a:extLst>
+              <a:ext uri="{FF2B5EF4-FFF2-40B4-BE49-F238E27FC236}">
+                <a16:creationId xmlns:a16="http://schemas.microsoft.com/office/drawing/2014/main" id="{4E1B154C-A7FE-8A43-8C01-8FAD698046EA}"/>
+              </a:ext>
+            </a:extLst>
+          </p:cNvPr>
+          <p:cNvSpPr>
+            <a:spLocks noGrp="1"/>
+          </p:cNvSpPr>
+          <p:nvPr>
+            <p:ph idx="1"/>
+          </p:nvPr>
+        </p:nvSpPr>
+        <p:spPr>
+          <a:xfrm>
+            <a:off x="345594" y="1099789"/>
+            <a:ext cx="11500813" cy="5716402"/>
+          </a:xfrm>
+        </p:spPr>
+        <p:txBody>
+          <a:bodyPr>
+            <a:noAutofit/>
+          </a:bodyPr>
+          <a:lstStyle/>
+          <a:p>
+            <a:pPr marL="0" indent="0">
+              <a:buNone/>
+            </a:pPr>
+            <a:r>
+              <a:rPr lang="ja-JP" altLang="en-US" dirty="0"/>
+              <a:t>水の状態変化は液体の中でも特殊！（とても重要）</a:t>
+            </a:r>
+            <a:endParaRPr lang="en-US" altLang="ja-JP" dirty="0"/>
+          </a:p>
+          <a:p>
+            <a:pPr marL="0" indent="0">
+              <a:buNone/>
+            </a:pPr>
+            <a:endParaRPr lang="en-US" sz="1100" dirty="0"/>
+          </a:p>
+          <a:p>
+            <a:pPr marL="0" indent="0">
+              <a:buNone/>
+            </a:pPr>
+            <a:r>
+              <a:rPr lang="ja-JP" altLang="en-US" dirty="0"/>
+              <a:t>水は液体が固体に変化する</a:t>
+            </a:r>
+            <a:endParaRPr lang="en-US" altLang="ja-JP" dirty="0"/>
+          </a:p>
+          <a:p>
+            <a:pPr marL="0" indent="0">
+              <a:buNone/>
+            </a:pPr>
+            <a:r>
+              <a:rPr lang="ja-JP" altLang="en-US" dirty="0"/>
+              <a:t>際に</a:t>
+            </a:r>
+            <a:r>
+              <a:rPr lang="ja-JP" altLang="en-US" b="1" u="sng" dirty="0"/>
+              <a:t>体積が大きく</a:t>
+            </a:r>
+            <a:r>
+              <a:rPr lang="ja-JP" altLang="en-US" dirty="0"/>
+              <a:t>なり，</a:t>
+            </a:r>
+            <a:r>
+              <a:rPr lang="ja-JP" altLang="en-US" b="1" u="sng" dirty="0"/>
+              <a:t>密度が</a:t>
+            </a:r>
+            <a:endParaRPr lang="en-US" altLang="ja-JP" b="1" u="sng" dirty="0"/>
+          </a:p>
+          <a:p>
+            <a:pPr marL="0" indent="0">
+              <a:buNone/>
+            </a:pPr>
+            <a:r>
+              <a:rPr lang="ja-JP" altLang="en-US" b="1" u="sng" dirty="0"/>
+              <a:t>下がる</a:t>
+            </a:r>
+            <a:r>
+              <a:rPr lang="ja-JP" altLang="en-US" dirty="0"/>
+              <a:t>。これは水分子が特殊</a:t>
+            </a:r>
+            <a:endParaRPr lang="en-US" altLang="ja-JP" dirty="0"/>
+          </a:p>
+          <a:p>
+            <a:pPr marL="0" indent="0">
+              <a:buNone/>
+            </a:pPr>
+            <a:r>
+              <a:rPr lang="ja-JP" altLang="en-US" dirty="0"/>
+              <a:t>な形をしている影響で分子が</a:t>
+            </a:r>
+            <a:endParaRPr lang="en-US" altLang="ja-JP" dirty="0"/>
+          </a:p>
+          <a:p>
+            <a:pPr marL="0" indent="0">
+              <a:buNone/>
+            </a:pPr>
+            <a:r>
+              <a:rPr lang="ja-JP" altLang="en-US" dirty="0"/>
+              <a:t>互いに反発してしまい，隙間が</a:t>
+            </a:r>
+            <a:endParaRPr lang="en-US" altLang="ja-JP" dirty="0"/>
+          </a:p>
+          <a:p>
+            <a:pPr marL="0" indent="0">
+              <a:buNone/>
+            </a:pPr>
+            <a:r>
+              <a:rPr lang="ja-JP" altLang="en-US" dirty="0"/>
+              <a:t>大きい状態になってしまうから</a:t>
+            </a:r>
+            <a:endParaRPr lang="en-US" altLang="ja-JP" dirty="0"/>
+          </a:p>
+          <a:p>
+            <a:pPr marL="0" indent="0">
+              <a:buNone/>
+            </a:pPr>
+            <a:r>
+              <a:rPr lang="ja-JP" altLang="en-US" dirty="0"/>
+              <a:t>である。理由は覚えなくても</a:t>
+            </a:r>
+            <a:endParaRPr lang="en-US" altLang="ja-JP" dirty="0"/>
+          </a:p>
+          <a:p>
+            <a:pPr marL="0" indent="0">
+              <a:buNone/>
+            </a:pPr>
+            <a:r>
+              <a:rPr lang="ja-JP" altLang="en-US" dirty="0"/>
+              <a:t>よいが，水は他の液体と性質</a:t>
+            </a:r>
+            <a:endParaRPr lang="en-US" altLang="ja-JP" dirty="0"/>
+          </a:p>
+          <a:p>
+            <a:pPr marL="0" indent="0">
+              <a:buNone/>
+            </a:pPr>
+            <a:r>
+              <a:rPr lang="ja-JP" altLang="en-US" dirty="0"/>
+              <a:t>がどう異なるか覚えておこう。</a:t>
+            </a:r>
+            <a:endParaRPr lang="en-US" altLang="ja-JP" dirty="0"/>
+          </a:p>
+        </p:txBody>
+      </p:sp>
+      <p:pic>
+        <p:nvPicPr>
+          <p:cNvPr id="2050" name="Picture 2">
+            <a:extLst>
+              <a:ext uri="{FF2B5EF4-FFF2-40B4-BE49-F238E27FC236}">
+                <a16:creationId xmlns:a16="http://schemas.microsoft.com/office/drawing/2014/main" id="{41FBAE1A-0309-3C6E-9A8A-AF2F2493F0CE}"/>
+              </a:ext>
+            </a:extLst>
+          </p:cNvPr>
+          <p:cNvPicPr>
+            <a:picLocks noChangeAspect="1" noChangeArrowheads="1"/>
+          </p:cNvPicPr>
+          <p:nvPr/>
+        </p:nvPicPr>
+        <p:blipFill>
+          <a:blip r:embed="rId2">
+            <a:extLst>
+              <a:ext uri="{28A0092B-C50C-407E-A947-70E740481C1C}">
+                <a14:useLocalDpi xmlns:a14="http://schemas.microsoft.com/office/drawing/2010/main" val="0"/>
+              </a:ext>
+            </a:extLst>
+          </a:blip>
+          <a:srcRect/>
+          <a:stretch>
+            <a:fillRect/>
+          </a:stretch>
+        </p:blipFill>
+        <p:spPr bwMode="auto">
+          <a:xfrm>
+            <a:off x="5148889" y="1734484"/>
+            <a:ext cx="6789881" cy="4662804"/>
+          </a:xfrm>
+          <a:prstGeom prst="rect">
+            <a:avLst/>
+          </a:prstGeom>
+          <a:noFill/>
+          <a:extLst>
+            <a:ext uri="{909E8E84-426E-40DD-AFC4-6F175D3DCCD1}">
+              <a14:hiddenFill xmlns:a14="http://schemas.microsoft.com/office/drawing/2010/main">
+                <a:solidFill>
+                  <a:srgbClr val="FFFFFF"/>
+                </a:solidFill>
+              </a14:hiddenFill>
+            </a:ext>
+          </a:extLst>
+        </p:spPr>
+      </p:pic>
+      <p:sp>
+        <p:nvSpPr>
+          <p:cNvPr id="5" name="テキスト ボックス 4">
+            <a:extLst>
+              <a:ext uri="{FF2B5EF4-FFF2-40B4-BE49-F238E27FC236}">
+                <a16:creationId xmlns:a16="http://schemas.microsoft.com/office/drawing/2014/main" id="{D1028C40-EF06-8806-BE64-DAF02E8B8F59}"/>
+              </a:ext>
+            </a:extLst>
+          </p:cNvPr>
+          <p:cNvSpPr txBox="1"/>
+          <p:nvPr/>
+        </p:nvSpPr>
+        <p:spPr>
+          <a:xfrm>
+            <a:off x="6096000" y="6446859"/>
+            <a:ext cx="6096000" cy="369332"/>
+          </a:xfrm>
+          <a:prstGeom prst="rect">
+            <a:avLst/>
+          </a:prstGeom>
+          <a:noFill/>
+        </p:spPr>
+        <p:txBody>
+          <a:bodyPr wrap="square">
+            <a:spAutoFit/>
+          </a:bodyPr>
+          <a:lstStyle/>
+          <a:p>
+            <a:r>
+              <a:rPr lang="en-US" sz="600" dirty="0"/>
+              <a:t>https://media.aqua-sphere.net/%EF%BC%9C%E6%B0%B4%E3%81%AE%E7%A7%91%E5%AD%A62%EF%BC%9E%E6%B0%B4%E3%81%AF%E3%80%81%E5%9B%BA%E4%BD%93%E3%80%81%E6%B6%B2%E4%BD%93%E3%80%81%E6%B0%97%E4%BD%93%E3%81%AB%E5%A4%89%E5%8C%96%E3%81%99%E3%82%8B/</a:t>
+            </a:r>
+          </a:p>
+        </p:txBody>
+      </p:sp>
+    </p:spTree>
+    <p:extLst>
+      <p:ext uri="{BB962C8B-B14F-4D97-AF65-F5344CB8AC3E}">
+        <p14:creationId xmlns:p14="http://schemas.microsoft.com/office/powerpoint/2010/main" val="999550641"/>
+      </p:ext>
+    </p:extLst>
+  </p:cSld>
+  <p:clrMapOvr>
+    <a:masterClrMapping/>
+  </p:clrMapOvr>
+</p:sld>
+</file>
+
+<file path=ppt/slides/slide16.xml><?xml version="1.0" encoding="utf-8"?>
+<p:sld xmlns:a="http://schemas.openxmlformats.org/drawingml/2006/main" xmlns:r="http://schemas.openxmlformats.org/officeDocument/2006/relationships" xmlns:p="http://schemas.openxmlformats.org/presentationml/2006/main">
+  <p:cSld>
+    <p:spTree>
+      <p:nvGrpSpPr>
+        <p:cNvPr id="1" name=""/>
+        <p:cNvGrpSpPr/>
+        <p:nvPr/>
+      </p:nvGrpSpPr>
+      <p:grpSpPr>
+        <a:xfrm>
+          <a:off x="0" y="0"/>
+          <a:ext cx="0" cy="0"/>
+          <a:chOff x="0" y="0"/>
+          <a:chExt cx="0" cy="0"/>
+        </a:xfrm>
+      </p:grpSpPr>
+      <p:sp>
+        <p:nvSpPr>
+          <p:cNvPr id="2" name="タイトル 1">
+            <a:extLst>
+              <a:ext uri="{FF2B5EF4-FFF2-40B4-BE49-F238E27FC236}">
+                <a16:creationId xmlns:a16="http://schemas.microsoft.com/office/drawing/2014/main" id="{579B3E87-FC5D-0638-C234-29FAF19E2B1D}"/>
+              </a:ext>
+            </a:extLst>
+          </p:cNvPr>
+          <p:cNvSpPr>
+            <a:spLocks noGrp="1"/>
+          </p:cNvSpPr>
+          <p:nvPr>
+            <p:ph type="title"/>
+          </p:nvPr>
+        </p:nvSpPr>
+        <p:spPr/>
+        <p:txBody>
+          <a:bodyPr/>
+          <a:lstStyle/>
+          <a:p>
+            <a:r>
+              <a:rPr lang="ja-JP" altLang="en-US" dirty="0"/>
+              <a:t>（余談）</a:t>
+            </a:r>
+            <a:endParaRPr lang="en-US" dirty="0"/>
+          </a:p>
+        </p:txBody>
+      </p:sp>
+      <p:sp>
+        <p:nvSpPr>
+          <p:cNvPr id="3" name="コンテンツ プレースホルダー 2">
+            <a:extLst>
+              <a:ext uri="{FF2B5EF4-FFF2-40B4-BE49-F238E27FC236}">
+                <a16:creationId xmlns:a16="http://schemas.microsoft.com/office/drawing/2014/main" id="{960F8B9C-3973-8773-53BA-596321175ECC}"/>
+              </a:ext>
+            </a:extLst>
+          </p:cNvPr>
+          <p:cNvSpPr>
+            <a:spLocks noGrp="1"/>
+          </p:cNvSpPr>
+          <p:nvPr>
+            <p:ph idx="1"/>
+          </p:nvPr>
+        </p:nvSpPr>
+        <p:spPr>
+          <a:xfrm>
+            <a:off x="345594" y="1099789"/>
+            <a:ext cx="11726333" cy="5482165"/>
+          </a:xfrm>
+        </p:spPr>
+        <p:txBody>
+          <a:bodyPr/>
+          <a:lstStyle/>
+          <a:p>
+            <a:pPr marL="0" indent="0">
+              <a:buNone/>
+            </a:pPr>
+            <a:r>
+              <a:rPr lang="ja-JP" altLang="en-US" dirty="0"/>
+              <a:t>水が氷になると密度が大きくなるという性質は，生命の生育に大きく影響したと言われている。</a:t>
+            </a:r>
+            <a:endParaRPr lang="en-US" altLang="ja-JP" dirty="0"/>
+          </a:p>
+          <a:p>
+            <a:pPr marL="0" indent="0">
+              <a:buNone/>
+            </a:pPr>
+            <a:endParaRPr lang="en-US" altLang="ja-JP" sz="1800" dirty="0"/>
+          </a:p>
+          <a:p>
+            <a:pPr marL="0" indent="0">
+              <a:buNone/>
+            </a:pPr>
+            <a:r>
+              <a:rPr lang="ja-JP" altLang="en-US" sz="2400" dirty="0"/>
+              <a:t>・氷の密度が水より小さいおかげで</a:t>
+            </a:r>
+            <a:r>
+              <a:rPr lang="en-US" altLang="ja-JP" sz="2400" dirty="0"/>
+              <a:t>…			</a:t>
+            </a:r>
+            <a:r>
+              <a:rPr lang="ja-JP" altLang="en-US" sz="2400" dirty="0"/>
+              <a:t>・もし氷の密度が（他の液体と同じように）</a:t>
+            </a:r>
+            <a:endParaRPr lang="en-US" altLang="ja-JP" sz="2400" dirty="0"/>
+          </a:p>
+          <a:p>
+            <a:pPr marL="0" indent="0">
+              <a:buNone/>
+            </a:pPr>
+            <a:r>
+              <a:rPr lang="en-US" altLang="ja-JP" sz="2400" dirty="0"/>
+              <a:t>									</a:t>
+            </a:r>
+            <a:r>
+              <a:rPr lang="ja-JP" altLang="en-US" sz="2400" dirty="0"/>
+              <a:t>　水よりも大きかったら</a:t>
+            </a:r>
+            <a:r>
+              <a:rPr lang="en-US" altLang="ja-JP" sz="2400" dirty="0"/>
+              <a:t>…</a:t>
+            </a:r>
+          </a:p>
+          <a:p>
+            <a:pPr marL="0" indent="0">
+              <a:buNone/>
+            </a:pPr>
+            <a:endParaRPr lang="en-US" dirty="0"/>
+          </a:p>
+          <a:p>
+            <a:pPr marL="0" indent="0">
+              <a:buNone/>
+            </a:pPr>
+            <a:endParaRPr lang="en-US" dirty="0"/>
+          </a:p>
+        </p:txBody>
+      </p:sp>
+      <p:sp>
+        <p:nvSpPr>
+          <p:cNvPr id="4" name="左大かっこ 3">
+            <a:extLst>
+              <a:ext uri="{FF2B5EF4-FFF2-40B4-BE49-F238E27FC236}">
+                <a16:creationId xmlns:a16="http://schemas.microsoft.com/office/drawing/2014/main" id="{49FBCC07-56D0-41DC-DCDE-4FB2EA539CC1}"/>
+              </a:ext>
+            </a:extLst>
+          </p:cNvPr>
+          <p:cNvSpPr/>
+          <p:nvPr/>
+        </p:nvSpPr>
+        <p:spPr>
+          <a:xfrm rot="16200000">
+            <a:off x="1532269" y="2993546"/>
+            <a:ext cx="2625063" cy="3934694"/>
+          </a:xfrm>
+          <a:prstGeom prst="leftBracket">
+            <a:avLst>
+              <a:gd name="adj" fmla="val 18965"/>
+            </a:avLst>
+          </a:prstGeom>
+          <a:solidFill>
+            <a:schemeClr val="accent1">
+              <a:lumMod val="20000"/>
+              <a:lumOff val="80000"/>
+            </a:schemeClr>
+          </a:solidFill>
+          <a:ln w="57150"/>
+        </p:spPr>
+        <p:style>
+          <a:lnRef idx="1">
+            <a:schemeClr val="accent1"/>
+          </a:lnRef>
+          <a:fillRef idx="0">
+            <a:schemeClr val="accent1"/>
+          </a:fillRef>
+          <a:effectRef idx="0">
+            <a:schemeClr val="accent1"/>
+          </a:effectRef>
+          <a:fontRef idx="minor">
+            <a:schemeClr val="tx1"/>
+          </a:fontRef>
+        </p:style>
+        <p:txBody>
+          <a:bodyPr rtlCol="0" anchor="ctr"/>
+          <a:lstStyle/>
+          <a:p>
+            <a:pPr algn="ctr"/>
+            <a:endParaRPr lang="en-US" dirty="0"/>
+          </a:p>
+        </p:txBody>
+      </p:sp>
+      <p:sp>
+        <p:nvSpPr>
+          <p:cNvPr id="5" name="テキスト ボックス 4">
+            <a:extLst>
+              <a:ext uri="{FF2B5EF4-FFF2-40B4-BE49-F238E27FC236}">
+                <a16:creationId xmlns:a16="http://schemas.microsoft.com/office/drawing/2014/main" id="{AB9082B3-6BB5-602E-1257-6B87FCB23884}"/>
+              </a:ext>
+            </a:extLst>
+          </p:cNvPr>
+          <p:cNvSpPr txBox="1"/>
+          <p:nvPr/>
+        </p:nvSpPr>
+        <p:spPr>
+          <a:xfrm>
+            <a:off x="914399" y="3648361"/>
+            <a:ext cx="3860802" cy="369332"/>
+          </a:xfrm>
+          <a:prstGeom prst="rect">
+            <a:avLst/>
+          </a:prstGeom>
+          <a:solidFill>
+            <a:srgbClr val="00B0F0"/>
+          </a:solidFill>
+        </p:spPr>
+        <p:txBody>
+          <a:bodyPr wrap="square" rtlCol="0">
+            <a:spAutoFit/>
+          </a:bodyPr>
+          <a:lstStyle/>
+          <a:p>
+            <a:pPr algn="ctr"/>
+            <a:r>
+              <a:rPr lang="ja-JP" altLang="en-US" dirty="0"/>
+              <a:t>浮いた氷（水中の温度低下を防止）</a:t>
+            </a:r>
+            <a:endParaRPr lang="en-US" dirty="0"/>
+          </a:p>
+        </p:txBody>
+      </p:sp>
+      <p:sp>
+        <p:nvSpPr>
+          <p:cNvPr id="6" name="テキスト ボックス 5">
+            <a:extLst>
+              <a:ext uri="{FF2B5EF4-FFF2-40B4-BE49-F238E27FC236}">
+                <a16:creationId xmlns:a16="http://schemas.microsoft.com/office/drawing/2014/main" id="{6BCBFF34-DE8A-6101-F451-4F80AF7D301E}"/>
+              </a:ext>
+            </a:extLst>
+          </p:cNvPr>
+          <p:cNvSpPr txBox="1"/>
+          <p:nvPr/>
+        </p:nvSpPr>
+        <p:spPr>
+          <a:xfrm>
+            <a:off x="1348509" y="4457512"/>
+            <a:ext cx="2992582" cy="1200329"/>
+          </a:xfrm>
+          <a:prstGeom prst="rect">
+            <a:avLst/>
+          </a:prstGeom>
+          <a:noFill/>
+        </p:spPr>
+        <p:txBody>
+          <a:bodyPr wrap="square" rtlCol="0">
+            <a:spAutoFit/>
+          </a:bodyPr>
+          <a:lstStyle/>
+          <a:p>
+            <a:pPr algn="ctr"/>
+            <a:r>
+              <a:rPr lang="ja-JP" altLang="en-US" sz="2400" dirty="0"/>
+              <a:t>水中は凍らず温度が保たれ，生命が存続できる</a:t>
+            </a:r>
+            <a:endParaRPr lang="en-US" sz="2400" dirty="0"/>
+          </a:p>
+        </p:txBody>
+      </p:sp>
+      <p:sp>
+        <p:nvSpPr>
+          <p:cNvPr id="7" name="左大かっこ 6">
+            <a:extLst>
+              <a:ext uri="{FF2B5EF4-FFF2-40B4-BE49-F238E27FC236}">
+                <a16:creationId xmlns:a16="http://schemas.microsoft.com/office/drawing/2014/main" id="{969414FB-4237-F48A-4219-EFA3FBEE3B65}"/>
+              </a:ext>
+            </a:extLst>
+          </p:cNvPr>
+          <p:cNvSpPr/>
+          <p:nvPr/>
+        </p:nvSpPr>
+        <p:spPr>
+          <a:xfrm rot="16200000">
+            <a:off x="7997723" y="2993547"/>
+            <a:ext cx="2625063" cy="3934694"/>
+          </a:xfrm>
+          <a:prstGeom prst="leftBracket">
+            <a:avLst>
+              <a:gd name="adj" fmla="val 18965"/>
+            </a:avLst>
+          </a:prstGeom>
+          <a:solidFill>
+            <a:srgbClr val="00B0F0"/>
+          </a:solidFill>
+          <a:ln w="57150"/>
+        </p:spPr>
+        <p:style>
+          <a:lnRef idx="1">
+            <a:schemeClr val="accent1"/>
+          </a:lnRef>
+          <a:fillRef idx="0">
+            <a:schemeClr val="accent1"/>
+          </a:fillRef>
+          <a:effectRef idx="0">
+            <a:schemeClr val="accent1"/>
+          </a:effectRef>
+          <a:fontRef idx="minor">
+            <a:schemeClr val="tx1"/>
+          </a:fontRef>
+        </p:style>
+        <p:txBody>
+          <a:bodyPr rtlCol="0" anchor="ctr"/>
+          <a:lstStyle/>
+          <a:p>
+            <a:pPr algn="ctr"/>
+            <a:endParaRPr lang="en-US" dirty="0"/>
+          </a:p>
+        </p:txBody>
+      </p:sp>
+      <p:sp>
+        <p:nvSpPr>
+          <p:cNvPr id="9" name="テキスト ボックス 8">
+            <a:extLst>
+              <a:ext uri="{FF2B5EF4-FFF2-40B4-BE49-F238E27FC236}">
+                <a16:creationId xmlns:a16="http://schemas.microsoft.com/office/drawing/2014/main" id="{65272E3C-5FCF-4784-3DB7-B10A9D82D4AA}"/>
+              </a:ext>
+            </a:extLst>
+          </p:cNvPr>
+          <p:cNvSpPr txBox="1"/>
+          <p:nvPr/>
+        </p:nvSpPr>
+        <p:spPr>
+          <a:xfrm>
+            <a:off x="7515707" y="4088181"/>
+            <a:ext cx="3798840" cy="1569660"/>
+          </a:xfrm>
+          <a:prstGeom prst="rect">
+            <a:avLst/>
+          </a:prstGeom>
+          <a:noFill/>
+        </p:spPr>
+        <p:txBody>
+          <a:bodyPr wrap="square" rtlCol="0">
+            <a:spAutoFit/>
+          </a:bodyPr>
+          <a:lstStyle/>
+          <a:p>
+            <a:pPr algn="ctr"/>
+            <a:r>
+              <a:rPr lang="ja-JP" altLang="en-US" sz="2400" dirty="0"/>
+              <a:t>氷は沈み，常に液体が寒い外気と触れ続けることになり，やがて全体が凍ってしまうため，生命が冬を越せない。</a:t>
+            </a:r>
+            <a:endParaRPr lang="en-US" sz="2400" dirty="0"/>
+          </a:p>
+        </p:txBody>
+      </p:sp>
+    </p:spTree>
+    <p:extLst>
+      <p:ext uri="{BB962C8B-B14F-4D97-AF65-F5344CB8AC3E}">
+        <p14:creationId xmlns:p14="http://schemas.microsoft.com/office/powerpoint/2010/main" val="2455506408"/>
+      </p:ext>
+    </p:extLst>
+  </p:cSld>
+  <p:clrMapOvr>
+    <a:masterClrMapping/>
+  </p:clrMapOvr>
+</p:sld>
+</file>
+
 <file path=ppt/slides/slide2.xml><?xml version="1.0" encoding="utf-8"?>
 <p:sld xmlns:a="http://schemas.openxmlformats.org/drawingml/2006/main" xmlns:r="http://schemas.openxmlformats.org/officeDocument/2006/relationships" xmlns:p="http://schemas.openxmlformats.org/presentationml/2006/main">
   <p:cSld>
@@ -6003,7 +8431,7 @@
             </a:r>
             <a:r>
               <a:rPr lang="ja-JP" altLang="en-US" dirty="0"/>
-              <a:t>（とても重要！！！）</a:t>
+              <a:t>（とても重要！）</a:t>
             </a:r>
             <a:endParaRPr lang="en-US" altLang="ja-JP" dirty="0"/>
           </a:p>
@@ -7713,8 +10141,8 @@
           </a:p>
         </p:txBody>
       </p:sp>
-      <mc:AlternateContent xmlns:mc="http://schemas.openxmlformats.org/markup-compatibility/2006">
-        <mc:Choice xmlns:a14="http://schemas.microsoft.com/office/drawing/2010/main" Requires="a14">
+      <mc:AlternateContent xmlns:mc="http://schemas.openxmlformats.org/markup-compatibility/2006" xmlns:a14="http://schemas.microsoft.com/office/drawing/2010/main">
+        <mc:Choice Requires="a14">
           <p:sp>
             <p:nvSpPr>
               <p:cNvPr id="16" name="テキスト ボックス 15">
@@ -7762,7 +10190,7 @@
             </p:txBody>
           </p:sp>
         </mc:Choice>
-        <mc:Fallback>
+        <mc:Fallback xmlns="">
           <p:sp>
             <p:nvSpPr>
               <p:cNvPr id="16" name="テキスト ボックス 15">
@@ -7807,8 +10235,8 @@
           </p:sp>
         </mc:Fallback>
       </mc:AlternateContent>
-      <mc:AlternateContent xmlns:mc="http://schemas.openxmlformats.org/markup-compatibility/2006">
-        <mc:Choice xmlns:a14="http://schemas.microsoft.com/office/drawing/2010/main" Requires="a14">
+      <mc:AlternateContent xmlns:mc="http://schemas.openxmlformats.org/markup-compatibility/2006" xmlns:a14="http://schemas.microsoft.com/office/drawing/2010/main">
+        <mc:Choice Requires="a14">
           <p:sp>
             <p:nvSpPr>
               <p:cNvPr id="17" name="テキスト ボックス 16">
@@ -7837,6 +10265,7 @@
               </a:bodyPr>
               <a:lstStyle/>
               <a:p>
+                <a:pPr/>
                 <a14:m>
                   <m:oMathPara xmlns:m="http://schemas.openxmlformats.org/officeDocument/2006/math">
                     <m:oMathParaPr>
@@ -7857,7 +10286,7 @@
             </p:txBody>
           </p:sp>
         </mc:Choice>
-        <mc:Fallback>
+        <mc:Fallback xmlns="">
           <p:sp>
             <p:nvSpPr>
               <p:cNvPr id="17" name="テキスト ボックス 16">
@@ -7902,8 +10331,8 @@
           </p:sp>
         </mc:Fallback>
       </mc:AlternateContent>
-      <mc:AlternateContent xmlns:mc="http://schemas.openxmlformats.org/markup-compatibility/2006">
-        <mc:Choice xmlns:a14="http://schemas.microsoft.com/office/drawing/2010/main" Requires="a14">
+      <mc:AlternateContent xmlns:mc="http://schemas.openxmlformats.org/markup-compatibility/2006" xmlns:a14="http://schemas.microsoft.com/office/drawing/2010/main">
+        <mc:Choice Requires="a14">
           <p:sp>
             <p:nvSpPr>
               <p:cNvPr id="18" name="テキスト ボックス 17">
@@ -7932,6 +10361,7 @@
               </a:bodyPr>
               <a:lstStyle/>
               <a:p>
+                <a:pPr/>
                 <a14:m>
                   <m:oMathPara xmlns:m="http://schemas.openxmlformats.org/officeDocument/2006/math">
                     <m:oMathParaPr>
@@ -7964,7 +10394,7 @@
             </p:txBody>
           </p:sp>
         </mc:Choice>
-        <mc:Fallback>
+        <mc:Fallback xmlns="">
           <p:sp>
             <p:nvSpPr>
               <p:cNvPr id="18" name="テキスト ボックス 17">
@@ -8009,8 +10439,8 @@
           </p:sp>
         </mc:Fallback>
       </mc:AlternateContent>
-      <mc:AlternateContent xmlns:mc="http://schemas.openxmlformats.org/markup-compatibility/2006">
-        <mc:Choice xmlns:a14="http://schemas.microsoft.com/office/drawing/2010/main" Requires="a14">
+      <mc:AlternateContent xmlns:mc="http://schemas.openxmlformats.org/markup-compatibility/2006" xmlns:a14="http://schemas.microsoft.com/office/drawing/2010/main">
+        <mc:Choice Requires="a14">
           <p:sp>
             <p:nvSpPr>
               <p:cNvPr id="19" name="テキスト ボックス 18">
@@ -8076,7 +10506,7 @@
             </p:txBody>
           </p:sp>
         </mc:Choice>
-        <mc:Fallback>
+        <mc:Fallback xmlns="">
           <p:sp>
             <p:nvSpPr>
               <p:cNvPr id="19" name="テキスト ボックス 18">
@@ -8121,8 +10551,8 @@
           </p:sp>
         </mc:Fallback>
       </mc:AlternateContent>
-      <mc:AlternateContent xmlns:mc="http://schemas.openxmlformats.org/markup-compatibility/2006">
-        <mc:Choice xmlns:a14="http://schemas.microsoft.com/office/drawing/2010/main" Requires="a14">
+      <mc:AlternateContent xmlns:mc="http://schemas.openxmlformats.org/markup-compatibility/2006" xmlns:a14="http://schemas.microsoft.com/office/drawing/2010/main">
+        <mc:Choice Requires="a14">
           <p:sp>
             <p:nvSpPr>
               <p:cNvPr id="20" name="テキスト ボックス 19">
@@ -8181,7 +10611,7 @@
             </p:txBody>
           </p:sp>
         </mc:Choice>
-        <mc:Fallback>
+        <mc:Fallback xmlns="">
           <p:sp>
             <p:nvSpPr>
               <p:cNvPr id="20" name="テキスト ボックス 19">
@@ -8362,12 +10792,16 @@
                     </m:r>
                   </m:oMath>
                 </a14:m>
+                <a:r>
+                  <a:rPr lang="ja-JP" altLang="en-US" dirty="0"/>
+                  <a:t>と表せます</a:t>
+                </a:r>
                 <a:endParaRPr lang="en-US" altLang="ja-JP" dirty="0"/>
               </a:p>
               <a:p>
                 <a:r>
                   <a:rPr lang="ja-JP" altLang="en-US" dirty="0"/>
-                  <a:t>と表せます（</a:t>
+                  <a:t>（</a:t>
                 </a:r>
                 <a14:m>
                   <m:oMath xmlns:m="http://schemas.openxmlformats.org/officeDocument/2006/math">
@@ -8712,10 +11146,93 @@
                       <m:t>=</m:t>
                     </m:r>
                     <m:r>
+                      <a:rPr lang="en-US" altLang="ja-JP" i="1">
+                        <a:latin typeface="Cambria Math" panose="02040503050406030204" pitchFamily="18" charset="0"/>
+                      </a:rPr>
+                      <m:t>𝑘</m:t>
+                    </m:r>
+                    <m:d>
+                      <m:dPr>
+                        <m:ctrlPr>
+                          <a:rPr lang="en-US" altLang="ja-JP" i="1">
+                            <a:latin typeface="Cambria Math" panose="02040503050406030204" pitchFamily="18" charset="0"/>
+                          </a:rPr>
+                        </m:ctrlPr>
+                      </m:dPr>
+                      <m:e>
+                        <m:r>
+                          <a:rPr lang="en-US" altLang="ja-JP" i="1">
+                            <a:latin typeface="Cambria Math" panose="02040503050406030204" pitchFamily="18" charset="0"/>
+                          </a:rPr>
+                          <m:t>𝑎</m:t>
+                        </m:r>
+                        <m:r>
+                          <a:rPr lang="en-US" altLang="ja-JP" i="1">
+                            <a:latin typeface="Cambria Math" panose="02040503050406030204" pitchFamily="18" charset="0"/>
+                          </a:rPr>
+                          <m:t>+</m:t>
+                        </m:r>
+                        <m:r>
+                          <a:rPr lang="en-US" altLang="ja-JP" i="1">
+                            <a:latin typeface="Cambria Math" panose="02040503050406030204" pitchFamily="18" charset="0"/>
+                          </a:rPr>
+                          <m:t>h</m:t>
+                        </m:r>
+                      </m:e>
+                    </m:d>
+                    <m:r>
+                      <a:rPr lang="en-US" altLang="ja-JP" i="1">
+                        <a:latin typeface="Cambria Math" panose="02040503050406030204" pitchFamily="18" charset="0"/>
+                      </a:rPr>
+                      <m:t>×</m:t>
+                    </m:r>
+                    <m:r>
+                      <a:rPr lang="en-US" altLang="ja-JP" i="1">
+                        <a:latin typeface="Cambria Math" panose="02040503050406030204" pitchFamily="18" charset="0"/>
+                      </a:rPr>
+                      <m:t>𝑆</m:t>
+                    </m:r>
+                    <m:r>
+                      <a:rPr lang="en-US" altLang="ja-JP" b="0" i="0" smtClean="0">
+                        <a:latin typeface="Cambria Math" panose="02040503050406030204" pitchFamily="18" charset="0"/>
+                      </a:rPr>
+                      <m:t>−</m:t>
+                    </m:r>
+                    <m:r>
+                      <a:rPr lang="en-US" altLang="ja-JP" i="1">
+                        <a:latin typeface="Cambria Math" panose="02040503050406030204" pitchFamily="18" charset="0"/>
+                      </a:rPr>
+                      <m:t>𝑘𝑎</m:t>
+                    </m:r>
+                    <m:r>
+                      <a:rPr lang="en-US" altLang="ja-JP" i="1">
+                        <a:latin typeface="Cambria Math" panose="02040503050406030204" pitchFamily="18" charset="0"/>
+                      </a:rPr>
+                      <m:t>×</m:t>
+                    </m:r>
+                    <m:r>
+                      <a:rPr lang="en-US" altLang="ja-JP" i="1">
+                        <a:latin typeface="Cambria Math" panose="02040503050406030204" pitchFamily="18" charset="0"/>
+                      </a:rPr>
+                      <m:t>𝑆</m:t>
+                    </m:r>
+                    <m:r>
+                      <a:rPr lang="en-US" altLang="ja-JP" b="0" i="1" smtClean="0">
+                        <a:latin typeface="Cambria Math" panose="02040503050406030204" pitchFamily="18" charset="0"/>
+                      </a:rPr>
+                      <m:t>=</m:t>
+                    </m:r>
+                    <m:r>
                       <a:rPr kumimoji="1" lang="en-US" altLang="ja-JP" sz="1800" b="0" i="1" smtClean="0">
                         <a:latin typeface="Cambria Math" panose="02040503050406030204" pitchFamily="18" charset="0"/>
                       </a:rPr>
-                      <m:t>𝑘h𝑆</m:t>
+                      <m:t>𝑘𝑆</m:t>
+                    </m:r>
+                    <m:r>
+                      <a:rPr kumimoji="1" lang="en-US" altLang="ja-JP" sz="1800" b="0" i="1" smtClean="0">
+                        <a:latin typeface="Cambria Math" panose="02040503050406030204" pitchFamily="18" charset="0"/>
+                      </a:rPr>
+                      <m:t>h</m:t>
                     </m:r>
                   </m:oMath>
                 </a14:m>
@@ -8751,13 +11268,7 @@
                       <a:rPr kumimoji="1" lang="en-US" altLang="ja-JP" sz="1800" b="0" i="1" smtClean="0">
                         <a:latin typeface="Cambria Math" panose="02040503050406030204" pitchFamily="18" charset="0"/>
                       </a:rPr>
-                      <m:t>𝑆</m:t>
-                    </m:r>
-                    <m:r>
-                      <a:rPr kumimoji="1" lang="en-US" altLang="ja-JP" sz="1800" b="0" i="1" smtClean="0">
-                        <a:latin typeface="Cambria Math" panose="02040503050406030204" pitchFamily="18" charset="0"/>
-                      </a:rPr>
-                      <m:t>h</m:t>
+                      <m:t>𝑆h</m:t>
                     </m:r>
                     <m:r>
                       <a:rPr kumimoji="1" lang="en-US" altLang="ja-JP" sz="1800" b="0" i="1" smtClean="0">
@@ -8990,7 +11501,7 @@
               <a:lstStyle/>
               <a:p>
                 <a:r>
-                  <a:rPr lang="ja-JP" altLang="en-US">
+                  <a:rPr lang="en-US">
                     <a:noFill/>
                   </a:rPr>
                   <a:t> </a:t>
@@ -9113,8 +11624,8 @@
           </a:p>
         </p:txBody>
       </p:sp>
-      <mc:AlternateContent xmlns:mc="http://schemas.openxmlformats.org/markup-compatibility/2006">
-        <mc:Choice xmlns:a14="http://schemas.microsoft.com/office/drawing/2010/main" Requires="a14">
+      <mc:AlternateContent xmlns:mc="http://schemas.openxmlformats.org/markup-compatibility/2006" xmlns:a14="http://schemas.microsoft.com/office/drawing/2010/main">
+        <mc:Choice Requires="a14">
           <p:sp>
             <p:nvSpPr>
               <p:cNvPr id="27" name="テキスト ボックス 26">
@@ -9223,7 +11734,7 @@
             </p:txBody>
           </p:sp>
         </mc:Choice>
-        <mc:Fallback>
+        <mc:Fallback xmlns="">
           <p:sp>
             <p:nvSpPr>
               <p:cNvPr id="27" name="テキスト ボックス 26">
@@ -9268,8 +11779,8 @@
           </p:sp>
         </mc:Fallback>
       </mc:AlternateContent>
-      <mc:AlternateContent xmlns:mc="http://schemas.openxmlformats.org/markup-compatibility/2006">
-        <mc:Choice xmlns:a14="http://schemas.microsoft.com/office/drawing/2010/main" Requires="a14">
+      <mc:AlternateContent xmlns:mc="http://schemas.openxmlformats.org/markup-compatibility/2006" xmlns:a14="http://schemas.microsoft.com/office/drawing/2010/main">
+        <mc:Choice Requires="a14">
           <p:sp>
             <p:nvSpPr>
               <p:cNvPr id="28" name="テキスト ボックス 27">
@@ -9402,7 +11913,7 @@
             </p:txBody>
           </p:sp>
         </mc:Choice>
-        <mc:Fallback>
+        <mc:Fallback xmlns="">
           <p:sp>
             <p:nvSpPr>
               <p:cNvPr id="28" name="テキスト ボックス 27">
@@ -9493,8 +12004,8 @@
           </a:p>
         </p:txBody>
       </p:sp>
-      <mc:AlternateContent xmlns:mc="http://schemas.openxmlformats.org/markup-compatibility/2006">
-        <mc:Choice xmlns:a14="http://schemas.microsoft.com/office/drawing/2010/main" Requires="a14">
+      <mc:AlternateContent xmlns:mc="http://schemas.openxmlformats.org/markup-compatibility/2006" xmlns:a14="http://schemas.microsoft.com/office/drawing/2010/main">
+        <mc:Choice Requires="a14">
           <p:sp>
             <p:nvSpPr>
               <p:cNvPr id="30" name="テキスト ボックス 29">
@@ -9612,7 +12123,7 @@
             </p:txBody>
           </p:sp>
         </mc:Choice>
-        <mc:Fallback>
+        <mc:Fallback xmlns="">
           <p:sp>
             <p:nvSpPr>
               <p:cNvPr id="30" name="テキスト ボックス 29">
@@ -9751,7 +12262,15 @@
             </a:pPr>
             <a:r>
               <a:rPr kumimoji="1" lang="ja-JP" altLang="en-US" dirty="0"/>
-              <a:t>各季節ごとにどの気団が台頭するか，各気団がどのような特徴を持っているかを覚えておきましょう．</a:t>
+              <a:t>各季節ごとにどの気団が台頭するか，各気団がどのような特徴を持っているかを覚えてお</a:t>
+            </a:r>
+            <a:r>
+              <a:rPr lang="ja-JP" altLang="en-US" dirty="0"/>
+              <a:t>こう</a:t>
+            </a:r>
+            <a:r>
+              <a:rPr kumimoji="1" lang="ja-JP" altLang="en-US" dirty="0"/>
+              <a:t>．</a:t>
             </a:r>
             <a:endParaRPr kumimoji="1" lang="en-US" altLang="ja-JP" dirty="0"/>
           </a:p>
